--- a/laravel.PPTX
+++ b/laravel.PPTX
@@ -8,13 +8,22 @@
     <p:sldId id="256" r:id="rId2"/>
     <p:sldId id="257" r:id="rId3"/>
     <p:sldId id="260" r:id="rId4"/>
-    <p:sldId id="263" r:id="rId5"/>
-    <p:sldId id="264" r:id="rId6"/>
-    <p:sldId id="265" r:id="rId7"/>
-    <p:sldId id="262" r:id="rId8"/>
+    <p:sldId id="262" r:id="rId5"/>
+    <p:sldId id="263" r:id="rId6"/>
+    <p:sldId id="264" r:id="rId7"/>
+    <p:sldId id="265" r:id="rId8"/>
     <p:sldId id="258" r:id="rId9"/>
     <p:sldId id="259" r:id="rId10"/>
     <p:sldId id="261" r:id="rId11"/>
+    <p:sldId id="266" r:id="rId12"/>
+    <p:sldId id="267" r:id="rId13"/>
+    <p:sldId id="268" r:id="rId14"/>
+    <p:sldId id="269" r:id="rId15"/>
+    <p:sldId id="270" r:id="rId16"/>
+    <p:sldId id="271" r:id="rId17"/>
+    <p:sldId id="272" r:id="rId18"/>
+    <p:sldId id="273" r:id="rId19"/>
+    <p:sldId id="274" r:id="rId20"/>
   </p:sldIdLst>
   <p:sldSz cx="12192000" cy="6858000"/>
   <p:notesSz cx="6858000" cy="9144000"/>
@@ -113,6 +122,11 @@
       </a:defRPr>
     </a:lvl9pPr>
   </p:defaultTextStyle>
+  <p:extLst>
+    <p:ext uri="{EFAFB233-063F-42B5-8137-9DF3F51BA10A}">
+      <p15:sldGuideLst xmlns:p15="http://schemas.microsoft.com/office/powerpoint/2012/main"/>
+    </p:ext>
+  </p:extLst>
 </p:presentation>
 </file>
 
@@ -285,7 +299,7 @@
           <a:p>
             <a:fld id="{B4B830D8-5D8E-4BFD-8545-8B41F3C9ADC0}" type="datetimeFigureOut">
               <a:rPr lang="en-US" smtClean="0"/>
-              <a:t>8/2/2024</a:t>
+              <a:t>8/3/2024</a:t>
             </a:fld>
             <a:endParaRPr lang="en-US"/>
           </a:p>
@@ -615,7 +629,7 @@
           <a:p>
             <a:fld id="{B4B830D8-5D8E-4BFD-8545-8B41F3C9ADC0}" type="datetimeFigureOut">
               <a:rPr lang="en-US" smtClean="0"/>
-              <a:t>8/2/2024</a:t>
+              <a:t>8/3/2024</a:t>
             </a:fld>
             <a:endParaRPr lang="en-US"/>
           </a:p>
@@ -795,7 +809,7 @@
           <a:p>
             <a:fld id="{B4B830D8-5D8E-4BFD-8545-8B41F3C9ADC0}" type="datetimeFigureOut">
               <a:rPr lang="en-US" smtClean="0"/>
-              <a:t>8/2/2024</a:t>
+              <a:t>8/3/2024</a:t>
             </a:fld>
             <a:endParaRPr lang="en-US"/>
           </a:p>
@@ -965,7 +979,7 @@
           <a:p>
             <a:fld id="{B4B830D8-5D8E-4BFD-8545-8B41F3C9ADC0}" type="datetimeFigureOut">
               <a:rPr lang="en-US" smtClean="0"/>
-              <a:t>8/2/2024</a:t>
+              <a:t>8/3/2024</a:t>
             </a:fld>
             <a:endParaRPr lang="en-US"/>
           </a:p>
@@ -1242,7 +1256,7 @@
           <a:p>
             <a:fld id="{B4B830D8-5D8E-4BFD-8545-8B41F3C9ADC0}" type="datetimeFigureOut">
               <a:rPr lang="en-US" smtClean="0"/>
-              <a:t>8/2/2024</a:t>
+              <a:t>8/3/2024</a:t>
             </a:fld>
             <a:endParaRPr lang="en-US"/>
           </a:p>
@@ -1636,7 +1650,7 @@
           <a:p>
             <a:fld id="{B4B830D8-5D8E-4BFD-8545-8B41F3C9ADC0}" type="datetimeFigureOut">
               <a:rPr lang="en-US" smtClean="0"/>
-              <a:t>8/2/2024</a:t>
+              <a:t>8/3/2024</a:t>
             </a:fld>
             <a:endParaRPr lang="en-US"/>
           </a:p>
@@ -2113,7 +2127,7 @@
           <a:p>
             <a:fld id="{B4B830D8-5D8E-4BFD-8545-8B41F3C9ADC0}" type="datetimeFigureOut">
               <a:rPr lang="en-US" smtClean="0"/>
-              <a:t>8/2/2024</a:t>
+              <a:t>8/3/2024</a:t>
             </a:fld>
             <a:endParaRPr lang="en-US"/>
           </a:p>
@@ -2231,7 +2245,7 @@
           <a:p>
             <a:fld id="{B4B830D8-5D8E-4BFD-8545-8B41F3C9ADC0}" type="datetimeFigureOut">
               <a:rPr lang="en-US" smtClean="0"/>
-              <a:t>8/2/2024</a:t>
+              <a:t>8/3/2024</a:t>
             </a:fld>
             <a:endParaRPr lang="en-US"/>
           </a:p>
@@ -2326,7 +2340,7 @@
           <a:p>
             <a:fld id="{B4B830D8-5D8E-4BFD-8545-8B41F3C9ADC0}" type="datetimeFigureOut">
               <a:rPr lang="en-US" smtClean="0"/>
-              <a:t>8/2/2024</a:t>
+              <a:t>8/3/2024</a:t>
             </a:fld>
             <a:endParaRPr lang="en-US"/>
           </a:p>
@@ -2672,7 +2686,7 @@
           <a:p>
             <a:fld id="{B4B830D8-5D8E-4BFD-8545-8B41F3C9ADC0}" type="datetimeFigureOut">
               <a:rPr lang="en-US" smtClean="0"/>
-              <a:t>8/2/2024</a:t>
+              <a:t>8/3/2024</a:t>
             </a:fld>
             <a:endParaRPr lang="en-US"/>
           </a:p>
@@ -3060,7 +3074,7 @@
           <a:p>
             <a:fld id="{B4B830D8-5D8E-4BFD-8545-8B41F3C9ADC0}" type="datetimeFigureOut">
               <a:rPr lang="en-US" smtClean="0"/>
-              <a:t>8/2/2024</a:t>
+              <a:t>8/3/2024</a:t>
             </a:fld>
             <a:endParaRPr lang="en-US"/>
           </a:p>
@@ -3338,7 +3352,7 @@
           <a:p>
             <a:fld id="{B4B830D8-5D8E-4BFD-8545-8B41F3C9ADC0}" type="datetimeFigureOut">
               <a:rPr lang="en-US" smtClean="0"/>
-              <a:t>8/2/2024</a:t>
+              <a:t>8/3/2024</a:t>
             </a:fld>
             <a:endParaRPr lang="en-US"/>
           </a:p>
@@ -3932,25 +3946,6 @@
       </p:grpSpPr>
       <p:sp>
         <p:nvSpPr>
-          <p:cNvPr id="3" name="Marcador de contenido 2"/>
-          <p:cNvSpPr>
-            <a:spLocks noGrp="1"/>
-          </p:cNvSpPr>
-          <p:nvPr>
-            <p:ph idx="1"/>
-          </p:nvPr>
-        </p:nvSpPr>
-        <p:spPr/>
-        <p:txBody>
-          <a:bodyPr/>
-          <a:lstStyle/>
-          <a:p>
-            <a:endParaRPr lang="en-US" dirty="0"/>
-          </a:p>
-        </p:txBody>
-      </p:sp>
-      <p:sp>
-        <p:nvSpPr>
           <p:cNvPr id="4" name="Rectángulo 3"/>
           <p:cNvSpPr/>
           <p:nvPr/>
@@ -3991,6 +3986,394 @@
           <a:lstStyle/>
           <a:p>
             <a:pPr algn="ctr"/>
+            <a:r>
+              <a:rPr lang="es-ES" sz="3200" b="1" dirty="0" smtClean="0"/>
+              <a:t>DESCARGAR NODE.JS</a:t>
+            </a:r>
+            <a:endParaRPr lang="en-US" sz="3200" b="1" dirty="0"/>
+          </a:p>
+        </p:txBody>
+      </p:sp>
+      <p:pic>
+        <p:nvPicPr>
+          <p:cNvPr id="2" name="Imagen 1"/>
+          <p:cNvPicPr>
+            <a:picLocks noChangeAspect="1"/>
+          </p:cNvPicPr>
+          <p:nvPr/>
+        </p:nvPicPr>
+        <p:blipFill>
+          <a:blip r:embed="rId2"/>
+          <a:stretch>
+            <a:fillRect/>
+          </a:stretch>
+        </p:blipFill>
+        <p:spPr>
+          <a:xfrm>
+            <a:off x="1447112" y="1387326"/>
+            <a:ext cx="1428949" cy="390580"/>
+          </a:xfrm>
+          <a:prstGeom prst="rect">
+            <a:avLst/>
+          </a:prstGeom>
+        </p:spPr>
+      </p:pic>
+      <p:pic>
+        <p:nvPicPr>
+          <p:cNvPr id="5" name="Imagen 4"/>
+          <p:cNvPicPr>
+            <a:picLocks noChangeAspect="1"/>
+          </p:cNvPicPr>
+          <p:nvPr/>
+        </p:nvPicPr>
+        <p:blipFill>
+          <a:blip r:embed="rId3"/>
+          <a:stretch>
+            <a:fillRect/>
+          </a:stretch>
+        </p:blipFill>
+        <p:spPr>
+          <a:xfrm>
+            <a:off x="1447112" y="1876481"/>
+            <a:ext cx="4763165" cy="1581371"/>
+          </a:xfrm>
+          <a:prstGeom prst="rect">
+            <a:avLst/>
+          </a:prstGeom>
+        </p:spPr>
+      </p:pic>
+      <p:pic>
+        <p:nvPicPr>
+          <p:cNvPr id="6" name="Imagen 5"/>
+          <p:cNvPicPr>
+            <a:picLocks noChangeAspect="1"/>
+          </p:cNvPicPr>
+          <p:nvPr/>
+        </p:nvPicPr>
+        <p:blipFill>
+          <a:blip r:embed="rId4"/>
+          <a:stretch>
+            <a:fillRect/>
+          </a:stretch>
+        </p:blipFill>
+        <p:spPr>
+          <a:xfrm>
+            <a:off x="1447112" y="3659534"/>
+            <a:ext cx="2534004" cy="352474"/>
+          </a:xfrm>
+          <a:prstGeom prst="rect">
+            <a:avLst/>
+          </a:prstGeom>
+        </p:spPr>
+      </p:pic>
+      <p:pic>
+        <p:nvPicPr>
+          <p:cNvPr id="7" name="Imagen 6"/>
+          <p:cNvPicPr>
+            <a:picLocks noChangeAspect="1"/>
+          </p:cNvPicPr>
+          <p:nvPr/>
+        </p:nvPicPr>
+        <p:blipFill>
+          <a:blip r:embed="rId5"/>
+          <a:stretch>
+            <a:fillRect/>
+          </a:stretch>
+        </p:blipFill>
+        <p:spPr>
+          <a:xfrm>
+            <a:off x="1436402" y="4156458"/>
+            <a:ext cx="1276528" cy="428685"/>
+          </a:xfrm>
+          <a:prstGeom prst="rect">
+            <a:avLst/>
+          </a:prstGeom>
+        </p:spPr>
+      </p:pic>
+      <p:pic>
+        <p:nvPicPr>
+          <p:cNvPr id="8" name="Imagen 7"/>
+          <p:cNvPicPr>
+            <a:picLocks noChangeAspect="1"/>
+          </p:cNvPicPr>
+          <p:nvPr/>
+        </p:nvPicPr>
+        <p:blipFill>
+          <a:blip r:embed="rId6"/>
+          <a:stretch>
+            <a:fillRect/>
+          </a:stretch>
+        </p:blipFill>
+        <p:spPr>
+          <a:xfrm>
+            <a:off x="1436402" y="4755906"/>
+            <a:ext cx="3343742" cy="714475"/>
+          </a:xfrm>
+          <a:prstGeom prst="rect">
+            <a:avLst/>
+          </a:prstGeom>
+        </p:spPr>
+      </p:pic>
+      <p:sp>
+        <p:nvSpPr>
+          <p:cNvPr id="9" name="CuadroTexto 8"/>
+          <p:cNvSpPr txBox="1"/>
+          <p:nvPr/>
+        </p:nvSpPr>
+        <p:spPr>
+          <a:xfrm>
+            <a:off x="900332" y="1426945"/>
+            <a:ext cx="375424" cy="369332"/>
+          </a:xfrm>
+          <a:prstGeom prst="rect">
+            <a:avLst/>
+          </a:prstGeom>
+          <a:noFill/>
+        </p:spPr>
+        <p:txBody>
+          <a:bodyPr wrap="none" rtlCol="0">
+            <a:spAutoFit/>
+          </a:bodyPr>
+          <a:lstStyle/>
+          <a:p>
+            <a:r>
+              <a:rPr lang="es-ES" dirty="0" smtClean="0"/>
+              <a:t>1.</a:t>
+            </a:r>
+            <a:endParaRPr lang="en-US" dirty="0"/>
+          </a:p>
+        </p:txBody>
+      </p:sp>
+      <p:sp>
+        <p:nvSpPr>
+          <p:cNvPr id="10" name="CuadroTexto 9"/>
+          <p:cNvSpPr txBox="1"/>
+          <p:nvPr/>
+        </p:nvSpPr>
+        <p:spPr>
+          <a:xfrm>
+            <a:off x="898730" y="2457609"/>
+            <a:ext cx="377026" cy="369332"/>
+          </a:xfrm>
+          <a:prstGeom prst="rect">
+            <a:avLst/>
+          </a:prstGeom>
+          <a:noFill/>
+        </p:spPr>
+        <p:txBody>
+          <a:bodyPr wrap="none" rtlCol="0">
+            <a:spAutoFit/>
+          </a:bodyPr>
+          <a:lstStyle/>
+          <a:p>
+            <a:r>
+              <a:rPr lang="es-ES" dirty="0"/>
+              <a:t>2</a:t>
+            </a:r>
+            <a:r>
+              <a:rPr lang="es-ES" dirty="0" smtClean="0"/>
+              <a:t>.</a:t>
+            </a:r>
+            <a:endParaRPr lang="en-US" dirty="0"/>
+          </a:p>
+        </p:txBody>
+      </p:sp>
+      <p:sp>
+        <p:nvSpPr>
+          <p:cNvPr id="11" name="CuadroTexto 10"/>
+          <p:cNvSpPr txBox="1"/>
+          <p:nvPr/>
+        </p:nvSpPr>
+        <p:spPr>
+          <a:xfrm>
+            <a:off x="898730" y="3661727"/>
+            <a:ext cx="377026" cy="369332"/>
+          </a:xfrm>
+          <a:prstGeom prst="rect">
+            <a:avLst/>
+          </a:prstGeom>
+          <a:noFill/>
+        </p:spPr>
+        <p:txBody>
+          <a:bodyPr wrap="none" rtlCol="0">
+            <a:spAutoFit/>
+          </a:bodyPr>
+          <a:lstStyle/>
+          <a:p>
+            <a:r>
+              <a:rPr lang="es-ES" dirty="0"/>
+              <a:t>3</a:t>
+            </a:r>
+            <a:r>
+              <a:rPr lang="es-ES" dirty="0" smtClean="0"/>
+              <a:t>.</a:t>
+            </a:r>
+            <a:endParaRPr lang="en-US" dirty="0"/>
+          </a:p>
+        </p:txBody>
+      </p:sp>
+      <p:sp>
+        <p:nvSpPr>
+          <p:cNvPr id="12" name="CuadroTexto 11"/>
+          <p:cNvSpPr txBox="1"/>
+          <p:nvPr/>
+        </p:nvSpPr>
+        <p:spPr>
+          <a:xfrm>
+            <a:off x="898730" y="4211834"/>
+            <a:ext cx="377026" cy="369332"/>
+          </a:xfrm>
+          <a:prstGeom prst="rect">
+            <a:avLst/>
+          </a:prstGeom>
+          <a:noFill/>
+        </p:spPr>
+        <p:txBody>
+          <a:bodyPr wrap="none" rtlCol="0">
+            <a:spAutoFit/>
+          </a:bodyPr>
+          <a:lstStyle/>
+          <a:p>
+            <a:r>
+              <a:rPr lang="es-ES" dirty="0"/>
+              <a:t>4</a:t>
+            </a:r>
+            <a:r>
+              <a:rPr lang="es-ES" dirty="0" smtClean="0"/>
+              <a:t>.</a:t>
+            </a:r>
+            <a:endParaRPr lang="en-US" dirty="0"/>
+          </a:p>
+        </p:txBody>
+      </p:sp>
+      <p:sp>
+        <p:nvSpPr>
+          <p:cNvPr id="13" name="CuadroTexto 12"/>
+          <p:cNvSpPr txBox="1"/>
+          <p:nvPr/>
+        </p:nvSpPr>
+        <p:spPr>
+          <a:xfrm>
+            <a:off x="898730" y="4952673"/>
+            <a:ext cx="377026" cy="369332"/>
+          </a:xfrm>
+          <a:prstGeom prst="rect">
+            <a:avLst/>
+          </a:prstGeom>
+          <a:noFill/>
+        </p:spPr>
+        <p:txBody>
+          <a:bodyPr wrap="none" rtlCol="0">
+            <a:spAutoFit/>
+          </a:bodyPr>
+          <a:lstStyle/>
+          <a:p>
+            <a:r>
+              <a:rPr lang="es-ES" dirty="0"/>
+              <a:t>5</a:t>
+            </a:r>
+            <a:r>
+              <a:rPr lang="es-ES" dirty="0" smtClean="0"/>
+              <a:t>.</a:t>
+            </a:r>
+            <a:endParaRPr lang="en-US" dirty="0"/>
+          </a:p>
+        </p:txBody>
+      </p:sp>
+      <p:sp>
+        <p:nvSpPr>
+          <p:cNvPr id="15" name="Rectángulo 14"/>
+          <p:cNvSpPr/>
+          <p:nvPr/>
+        </p:nvSpPr>
+        <p:spPr>
+          <a:xfrm>
+            <a:off x="689318" y="5641145"/>
+            <a:ext cx="11502682" cy="1216855"/>
+          </a:xfrm>
+          <a:prstGeom prst="rect">
+            <a:avLst/>
+          </a:prstGeom>
+          <a:solidFill>
+            <a:srgbClr val="191B0E"/>
+          </a:solidFill>
+          <a:ln>
+            <a:noFill/>
+          </a:ln>
+        </p:spPr>
+        <p:style>
+          <a:lnRef idx="2">
+            <a:schemeClr val="accent1">
+              <a:shade val="50000"/>
+            </a:schemeClr>
+          </a:lnRef>
+          <a:fillRef idx="1">
+            <a:schemeClr val="accent1"/>
+          </a:fillRef>
+          <a:effectRef idx="0">
+            <a:schemeClr val="accent1"/>
+          </a:effectRef>
+          <a:fontRef idx="minor">
+            <a:schemeClr val="lt1"/>
+          </a:fontRef>
+        </p:style>
+        <p:txBody>
+          <a:bodyPr rtlCol="0" anchor="ctr"/>
+          <a:lstStyle/>
+          <a:p>
+            <a:pPr algn="ctr"/>
+            <a:r>
+              <a:rPr lang="es-BO" sz="3200" b="1" i="1" dirty="0" smtClean="0"/>
+              <a:t>NOTA A LA HORA DE INSTALAR </a:t>
+            </a:r>
+            <a:r>
+              <a:rPr lang="es-BO" sz="3200" b="1" i="1" dirty="0" smtClean="0"/>
+              <a:t>NODE</a:t>
+            </a:r>
+            <a:r>
+              <a:rPr lang="es-BO" sz="3200" b="1" i="1" dirty="0" smtClean="0"/>
+              <a:t>, </a:t>
+            </a:r>
+            <a:r>
+              <a:rPr lang="es-BO" sz="3200" b="1" i="1" dirty="0" smtClean="0"/>
+              <a:t>ACTIVAR LA OPCION QUE DICE: </a:t>
+            </a:r>
+            <a:r>
+              <a:rPr lang="es-BO" sz="3200" b="1" i="1" dirty="0" smtClean="0"/>
+              <a:t>(</a:t>
+            </a:r>
+            <a:r>
+              <a:rPr lang="es-BO" sz="3200" b="1" i="1" dirty="0" err="1" smtClean="0"/>
+              <a:t>Automatically</a:t>
+            </a:r>
+            <a:r>
+              <a:rPr lang="es-BO" sz="3200" b="1" i="1" dirty="0" smtClean="0"/>
+              <a:t> </a:t>
+            </a:r>
+            <a:r>
+              <a:rPr lang="es-BO" sz="3200" b="1" i="1" dirty="0" err="1" smtClean="0"/>
+              <a:t>install</a:t>
+            </a:r>
+            <a:r>
+              <a:rPr lang="es-BO" sz="3200" b="1" i="1" dirty="0" smtClean="0"/>
+              <a:t> </a:t>
+            </a:r>
+            <a:r>
+              <a:rPr lang="es-BO" sz="3200" b="1" i="1" dirty="0" err="1" smtClean="0"/>
+              <a:t>the</a:t>
+            </a:r>
+            <a:r>
+              <a:rPr lang="es-BO" sz="3200" b="1" i="1" dirty="0" smtClean="0"/>
+              <a:t> </a:t>
+            </a:r>
+            <a:r>
+              <a:rPr lang="es-BO" sz="3200" b="1" i="1" dirty="0" err="1" smtClean="0"/>
+              <a:t>necessary</a:t>
+            </a:r>
+            <a:r>
+              <a:rPr lang="es-BO" sz="3200" b="1" i="1" dirty="0" smtClean="0"/>
+              <a:t> tolos.)</a:t>
+            </a:r>
             <a:endParaRPr lang="en-US" sz="3200" b="1" i="1" dirty="0"/>
           </a:p>
         </p:txBody>
@@ -3999,6 +4382,2566 @@
     <p:extLst>
       <p:ext uri="{BB962C8B-B14F-4D97-AF65-F5344CB8AC3E}">
         <p14:creationId xmlns:p14="http://schemas.microsoft.com/office/powerpoint/2010/main" val="1819073664"/>
+      </p:ext>
+    </p:extLst>
+  </p:cSld>
+  <p:clrMapOvr>
+    <a:masterClrMapping/>
+  </p:clrMapOvr>
+  <p:timing>
+    <p:tnLst>
+      <p:par>
+        <p:cTn id="1" dur="indefinite" restart="never" nodeType="tmRoot"/>
+      </p:par>
+    </p:tnLst>
+  </p:timing>
+</p:sld>
+</file>
+
+<file path=ppt/slides/slide11.xml><?xml version="1.0" encoding="utf-8"?>
+<p:sld xmlns:a="http://schemas.openxmlformats.org/drawingml/2006/main" xmlns:r="http://schemas.openxmlformats.org/officeDocument/2006/relationships" xmlns:p="http://schemas.openxmlformats.org/presentationml/2006/main">
+  <p:cSld>
+    <p:spTree>
+      <p:nvGrpSpPr>
+        <p:cNvPr id="1" name=""/>
+        <p:cNvGrpSpPr/>
+        <p:nvPr/>
+      </p:nvGrpSpPr>
+      <p:grpSpPr>
+        <a:xfrm>
+          <a:off x="0" y="0"/>
+          <a:ext cx="0" cy="0"/>
+          <a:chOff x="0" y="0"/>
+          <a:chExt cx="0" cy="0"/>
+        </a:xfrm>
+      </p:grpSpPr>
+      <p:sp>
+        <p:nvSpPr>
+          <p:cNvPr id="4" name="Rectángulo 3"/>
+          <p:cNvSpPr/>
+          <p:nvPr/>
+        </p:nvSpPr>
+        <p:spPr>
+          <a:xfrm>
+            <a:off x="689318" y="0"/>
+            <a:ext cx="11502682" cy="1216855"/>
+          </a:xfrm>
+          <a:prstGeom prst="rect">
+            <a:avLst/>
+          </a:prstGeom>
+          <a:solidFill>
+            <a:srgbClr val="191B0E"/>
+          </a:solidFill>
+          <a:ln>
+            <a:noFill/>
+          </a:ln>
+        </p:spPr>
+        <p:style>
+          <a:lnRef idx="2">
+            <a:schemeClr val="accent1">
+              <a:shade val="50000"/>
+            </a:schemeClr>
+          </a:lnRef>
+          <a:fillRef idx="1">
+            <a:schemeClr val="accent1"/>
+          </a:fillRef>
+          <a:effectRef idx="0">
+            <a:schemeClr val="accent1"/>
+          </a:effectRef>
+          <a:fontRef idx="minor">
+            <a:schemeClr val="lt1"/>
+          </a:fontRef>
+        </p:style>
+        <p:txBody>
+          <a:bodyPr rtlCol="0" anchor="ctr"/>
+          <a:lstStyle/>
+          <a:p>
+            <a:pPr algn="ctr"/>
+            <a:r>
+              <a:rPr lang="es-ES" sz="3200" b="1" dirty="0" smtClean="0"/>
+              <a:t>CREAR APLICACION DE LARAVEL</a:t>
+            </a:r>
+            <a:endParaRPr lang="en-US" sz="3200" b="1" dirty="0"/>
+          </a:p>
+        </p:txBody>
+      </p:sp>
+      <p:sp>
+        <p:nvSpPr>
+          <p:cNvPr id="5" name="Marcador de contenido 4"/>
+          <p:cNvSpPr>
+            <a:spLocks noGrp="1"/>
+          </p:cNvSpPr>
+          <p:nvPr>
+            <p:ph idx="1"/>
+          </p:nvPr>
+        </p:nvSpPr>
+        <p:spPr>
+          <a:xfrm>
+            <a:off x="1083212" y="1448971"/>
+            <a:ext cx="10550770" cy="4220309"/>
+          </a:xfrm>
+        </p:spPr>
+        <p:txBody>
+          <a:bodyPr/>
+          <a:lstStyle/>
+          <a:p>
+            <a:r>
+              <a:rPr lang="es-ES" dirty="0" smtClean="0"/>
+              <a:t>Primer paso en el buscador del navegador buscar LARAVEL</a:t>
+            </a:r>
+          </a:p>
+          <a:p>
+            <a:r>
+              <a:rPr lang="es-ES" dirty="0" smtClean="0"/>
+              <a:t>Presionar donde dice INSTALLATION </a:t>
+            </a:r>
+          </a:p>
+          <a:p>
+            <a:r>
+              <a:rPr lang="es-ES" dirty="0" smtClean="0"/>
+              <a:t>Ingresar a la terminal en la dirección de XAMPP -&gt; HTDOCS y dentro…</a:t>
+            </a:r>
+          </a:p>
+          <a:p>
+            <a:r>
+              <a:rPr lang="es-ES" dirty="0"/>
+              <a:t>C</a:t>
+            </a:r>
+            <a:r>
+              <a:rPr lang="es-ES" dirty="0" smtClean="0"/>
+              <a:t>opiar lo siguiente  -&gt; </a:t>
+            </a:r>
+            <a:r>
+              <a:rPr lang="es-ES" dirty="0" err="1" smtClean="0"/>
+              <a:t>composer</a:t>
+            </a:r>
+            <a:r>
+              <a:rPr lang="es-ES" dirty="0" smtClean="0"/>
+              <a:t> </a:t>
+            </a:r>
+            <a:r>
+              <a:rPr lang="es-ES" dirty="0" err="1" smtClean="0"/>
+              <a:t>create-proyect</a:t>
+            </a:r>
+            <a:r>
+              <a:rPr lang="es-ES" dirty="0" smtClean="0"/>
+              <a:t> </a:t>
+            </a:r>
+            <a:r>
+              <a:rPr lang="es-ES" dirty="0" err="1" smtClean="0"/>
+              <a:t>laravel</a:t>
+            </a:r>
+            <a:r>
+              <a:rPr lang="es-ES" dirty="0" smtClean="0"/>
+              <a:t>/</a:t>
+            </a:r>
+            <a:r>
+              <a:rPr lang="es-ES" dirty="0" err="1" smtClean="0"/>
+              <a:t>laravel</a:t>
+            </a:r>
+            <a:r>
+              <a:rPr lang="es-ES" dirty="0" smtClean="0"/>
+              <a:t> (nombre su proyecto) -&gt; ENTER y esperar a que se descargue todo. </a:t>
+            </a:r>
+          </a:p>
+          <a:p>
+            <a:r>
+              <a:rPr lang="es-ES" dirty="0" smtClean="0"/>
+              <a:t>En nuestro caso el nombre de nuestro proyecto será: </a:t>
+            </a:r>
+            <a:r>
+              <a:rPr lang="es-ES" b="1" dirty="0"/>
+              <a:t>p</a:t>
+            </a:r>
+            <a:r>
+              <a:rPr lang="es-ES" b="1" dirty="0" smtClean="0"/>
+              <a:t>ractica</a:t>
+            </a:r>
+          </a:p>
+          <a:p>
+            <a:endParaRPr lang="es-ES" dirty="0"/>
+          </a:p>
+          <a:p>
+            <a:endParaRPr lang="es-ES" dirty="0" smtClean="0"/>
+          </a:p>
+          <a:p>
+            <a:endParaRPr lang="en-US" dirty="0"/>
+          </a:p>
+        </p:txBody>
+      </p:sp>
+      <p:sp>
+        <p:nvSpPr>
+          <p:cNvPr id="9" name="Rectángulo 8"/>
+          <p:cNvSpPr/>
+          <p:nvPr/>
+        </p:nvSpPr>
+        <p:spPr>
+          <a:xfrm>
+            <a:off x="689318" y="5641145"/>
+            <a:ext cx="11502682" cy="1216855"/>
+          </a:xfrm>
+          <a:prstGeom prst="rect">
+            <a:avLst/>
+          </a:prstGeom>
+          <a:solidFill>
+            <a:srgbClr val="191B0E"/>
+          </a:solidFill>
+          <a:ln>
+            <a:noFill/>
+          </a:ln>
+        </p:spPr>
+        <p:style>
+          <a:lnRef idx="2">
+            <a:schemeClr val="accent1">
+              <a:shade val="50000"/>
+            </a:schemeClr>
+          </a:lnRef>
+          <a:fillRef idx="1">
+            <a:schemeClr val="accent1"/>
+          </a:fillRef>
+          <a:effectRef idx="0">
+            <a:schemeClr val="accent1"/>
+          </a:effectRef>
+          <a:fontRef idx="minor">
+            <a:schemeClr val="lt1"/>
+          </a:fontRef>
+        </p:style>
+        <p:txBody>
+          <a:bodyPr rtlCol="0" anchor="ctr"/>
+          <a:lstStyle/>
+          <a:p>
+            <a:pPr algn="ctr"/>
+            <a:r>
+              <a:rPr lang="es-BO" sz="2800" b="1" i="1" dirty="0" smtClean="0"/>
+              <a:t>EN CASO DE QUE SALGA ERROR A LA HORA DE DESCARGAR EL CONTENIDO POR LA TERMINAL SALTAR A LA GUIA POSITIVA 12 PARA SOLUCIONAR </a:t>
+            </a:r>
+            <a:endParaRPr lang="en-US" sz="2800" b="1" i="1" dirty="0"/>
+          </a:p>
+        </p:txBody>
+      </p:sp>
+    </p:spTree>
+    <p:extLst>
+      <p:ext uri="{BB962C8B-B14F-4D97-AF65-F5344CB8AC3E}">
+        <p14:creationId xmlns:p14="http://schemas.microsoft.com/office/powerpoint/2010/main" val="1390130972"/>
+      </p:ext>
+    </p:extLst>
+  </p:cSld>
+  <p:clrMapOvr>
+    <a:masterClrMapping/>
+  </p:clrMapOvr>
+  <p:timing>
+    <p:tnLst>
+      <p:par>
+        <p:cTn id="1" dur="indefinite" restart="never" nodeType="tmRoot"/>
+      </p:par>
+    </p:tnLst>
+  </p:timing>
+</p:sld>
+</file>
+
+<file path=ppt/slides/slide12.xml><?xml version="1.0" encoding="utf-8"?>
+<p:sld xmlns:a="http://schemas.openxmlformats.org/drawingml/2006/main" xmlns:r="http://schemas.openxmlformats.org/officeDocument/2006/relationships" xmlns:p="http://schemas.openxmlformats.org/presentationml/2006/main">
+  <p:cSld>
+    <p:spTree>
+      <p:nvGrpSpPr>
+        <p:cNvPr id="1" name=""/>
+        <p:cNvGrpSpPr/>
+        <p:nvPr/>
+      </p:nvGrpSpPr>
+      <p:grpSpPr>
+        <a:xfrm>
+          <a:off x="0" y="0"/>
+          <a:ext cx="0" cy="0"/>
+          <a:chOff x="0" y="0"/>
+          <a:chExt cx="0" cy="0"/>
+        </a:xfrm>
+      </p:grpSpPr>
+      <p:sp>
+        <p:nvSpPr>
+          <p:cNvPr id="4" name="Rectángulo 3"/>
+          <p:cNvSpPr/>
+          <p:nvPr/>
+        </p:nvSpPr>
+        <p:spPr>
+          <a:xfrm>
+            <a:off x="689318" y="0"/>
+            <a:ext cx="11502682" cy="1216855"/>
+          </a:xfrm>
+          <a:prstGeom prst="rect">
+            <a:avLst/>
+          </a:prstGeom>
+          <a:solidFill>
+            <a:srgbClr val="191B0E"/>
+          </a:solidFill>
+          <a:ln>
+            <a:noFill/>
+          </a:ln>
+        </p:spPr>
+        <p:style>
+          <a:lnRef idx="2">
+            <a:schemeClr val="accent1">
+              <a:shade val="50000"/>
+            </a:schemeClr>
+          </a:lnRef>
+          <a:fillRef idx="1">
+            <a:schemeClr val="accent1"/>
+          </a:fillRef>
+          <a:effectRef idx="0">
+            <a:schemeClr val="accent1"/>
+          </a:effectRef>
+          <a:fontRef idx="minor">
+            <a:schemeClr val="lt1"/>
+          </a:fontRef>
+        </p:style>
+        <p:txBody>
+          <a:bodyPr rtlCol="0" anchor="ctr"/>
+          <a:lstStyle/>
+          <a:p>
+            <a:pPr algn="ctr"/>
+            <a:r>
+              <a:rPr lang="es-ES" sz="3200" b="1" dirty="0" smtClean="0"/>
+              <a:t>CORREGIR ERROR AL DESCARGAR ARCHIVOS</a:t>
+            </a:r>
+            <a:endParaRPr lang="en-US" sz="3200" b="1" dirty="0"/>
+          </a:p>
+        </p:txBody>
+      </p:sp>
+      <p:sp>
+        <p:nvSpPr>
+          <p:cNvPr id="5" name="Marcador de contenido 4"/>
+          <p:cNvSpPr>
+            <a:spLocks noGrp="1"/>
+          </p:cNvSpPr>
+          <p:nvPr>
+            <p:ph sz="half" idx="1"/>
+          </p:nvPr>
+        </p:nvSpPr>
+        <p:spPr>
+          <a:xfrm>
+            <a:off x="808892" y="1484141"/>
+            <a:ext cx="4447786" cy="5226148"/>
+          </a:xfrm>
+        </p:spPr>
+        <p:txBody>
+          <a:bodyPr/>
+          <a:lstStyle/>
+          <a:p>
+            <a:r>
+              <a:rPr lang="es-ES" dirty="0" smtClean="0"/>
+              <a:t>Iniciamos XAMPP, en el apartado de apache buscamos la opción </a:t>
+            </a:r>
+            <a:r>
+              <a:rPr lang="es-ES" dirty="0" err="1" smtClean="0"/>
+              <a:t>config</a:t>
+            </a:r>
+            <a:r>
+              <a:rPr lang="es-ES" dirty="0" smtClean="0"/>
+              <a:t> y buscamos PHP (php.ini) </a:t>
+            </a:r>
+          </a:p>
+          <a:p>
+            <a:r>
+              <a:rPr lang="es-ES" dirty="0" smtClean="0"/>
+              <a:t>Editar –&gt; buscar siguiente -&gt; en el buscador </a:t>
+            </a:r>
+            <a:r>
+              <a:rPr lang="es-ES" dirty="0"/>
+              <a:t>colocamos (</a:t>
+            </a:r>
+            <a:r>
+              <a:rPr lang="es-ES" dirty="0" err="1"/>
+              <a:t>extension</a:t>
+            </a:r>
+            <a:r>
+              <a:rPr lang="es-ES" dirty="0"/>
+              <a:t>=</a:t>
+            </a:r>
+            <a:r>
+              <a:rPr lang="es-ES" dirty="0" err="1"/>
+              <a:t>zip</a:t>
+            </a:r>
+            <a:r>
+              <a:rPr lang="es-ES" dirty="0" smtClean="0"/>
+              <a:t>) </a:t>
+            </a:r>
+          </a:p>
+          <a:p>
+            <a:r>
+              <a:rPr lang="es-ES" dirty="0" err="1" smtClean="0"/>
+              <a:t>Despues</a:t>
+            </a:r>
+            <a:r>
+              <a:rPr lang="es-ES" dirty="0" smtClean="0"/>
+              <a:t> de encontrarlo borramos el (;) y lo guardamos</a:t>
+            </a:r>
+          </a:p>
+          <a:p>
+            <a:r>
+              <a:rPr lang="es-ES" dirty="0" smtClean="0"/>
+              <a:t>Con eso se debería solucionar el error.</a:t>
+            </a:r>
+          </a:p>
+          <a:p>
+            <a:endParaRPr lang="en-US" dirty="0"/>
+          </a:p>
+        </p:txBody>
+      </p:sp>
+      <p:pic>
+        <p:nvPicPr>
+          <p:cNvPr id="7" name="Marcador de contenido 6"/>
+          <p:cNvPicPr>
+            <a:picLocks noGrp="1" noChangeAspect="1"/>
+          </p:cNvPicPr>
+          <p:nvPr>
+            <p:ph sz="half" idx="2"/>
+          </p:nvPr>
+        </p:nvPicPr>
+        <p:blipFill>
+          <a:blip r:embed="rId2"/>
+          <a:stretch>
+            <a:fillRect/>
+          </a:stretch>
+        </p:blipFill>
+        <p:spPr>
+          <a:xfrm>
+            <a:off x="6372270" y="1484141"/>
+            <a:ext cx="4473922" cy="2625250"/>
+          </a:xfrm>
+          <a:prstGeom prst="rect">
+            <a:avLst/>
+          </a:prstGeom>
+        </p:spPr>
+      </p:pic>
+      <p:pic>
+        <p:nvPicPr>
+          <p:cNvPr id="9" name="Imagen 8"/>
+          <p:cNvPicPr>
+            <a:picLocks noChangeAspect="1"/>
+          </p:cNvPicPr>
+          <p:nvPr/>
+        </p:nvPicPr>
+        <p:blipFill>
+          <a:blip r:embed="rId3"/>
+          <a:stretch>
+            <a:fillRect/>
+          </a:stretch>
+        </p:blipFill>
+        <p:spPr>
+          <a:xfrm>
+            <a:off x="6915874" y="4376677"/>
+            <a:ext cx="3386713" cy="2180711"/>
+          </a:xfrm>
+          <a:prstGeom prst="rect">
+            <a:avLst/>
+          </a:prstGeom>
+        </p:spPr>
+      </p:pic>
+    </p:spTree>
+    <p:extLst>
+      <p:ext uri="{BB962C8B-B14F-4D97-AF65-F5344CB8AC3E}">
+        <p14:creationId xmlns:p14="http://schemas.microsoft.com/office/powerpoint/2010/main" val="3223499245"/>
+      </p:ext>
+    </p:extLst>
+  </p:cSld>
+  <p:clrMapOvr>
+    <a:masterClrMapping/>
+  </p:clrMapOvr>
+  <p:timing>
+    <p:tnLst>
+      <p:par>
+        <p:cTn id="1" dur="indefinite" restart="never" nodeType="tmRoot"/>
+      </p:par>
+    </p:tnLst>
+  </p:timing>
+</p:sld>
+</file>
+
+<file path=ppt/slides/slide13.xml><?xml version="1.0" encoding="utf-8"?>
+<p:sld xmlns:a="http://schemas.openxmlformats.org/drawingml/2006/main" xmlns:r="http://schemas.openxmlformats.org/officeDocument/2006/relationships" xmlns:p="http://schemas.openxmlformats.org/presentationml/2006/main">
+  <p:cSld>
+    <p:spTree>
+      <p:nvGrpSpPr>
+        <p:cNvPr id="1" name=""/>
+        <p:cNvGrpSpPr/>
+        <p:nvPr/>
+      </p:nvGrpSpPr>
+      <p:grpSpPr>
+        <a:xfrm>
+          <a:off x="0" y="0"/>
+          <a:ext cx="0" cy="0"/>
+          <a:chOff x="0" y="0"/>
+          <a:chExt cx="0" cy="0"/>
+        </a:xfrm>
+      </p:grpSpPr>
+      <p:sp>
+        <p:nvSpPr>
+          <p:cNvPr id="6" name="Marcador de contenido 5"/>
+          <p:cNvSpPr>
+            <a:spLocks noGrp="1"/>
+          </p:cNvSpPr>
+          <p:nvPr>
+            <p:ph sz="half" idx="1"/>
+          </p:nvPr>
+        </p:nvSpPr>
+        <p:spPr/>
+        <p:txBody>
+          <a:bodyPr/>
+          <a:lstStyle/>
+          <a:p>
+            <a:r>
+              <a:rPr lang="es-ES" dirty="0" smtClean="0"/>
+              <a:t>Ir a la carpeta donde creamos PHP y buscar la dependencia con denominación (php.ini) e abrir con visual</a:t>
+            </a:r>
+          </a:p>
+          <a:p>
+            <a:r>
+              <a:rPr lang="es-ES" dirty="0" smtClean="0"/>
+              <a:t>En caso de no encontrar el (php.ini) buscar solo (</a:t>
+            </a:r>
+            <a:r>
+              <a:rPr lang="es-ES" dirty="0" err="1" smtClean="0"/>
+              <a:t>php</a:t>
+            </a:r>
+            <a:r>
+              <a:rPr lang="es-ES" dirty="0" smtClean="0"/>
+              <a:t>).</a:t>
+            </a:r>
+          </a:p>
+          <a:p>
+            <a:r>
+              <a:rPr lang="es-ES" dirty="0" smtClean="0"/>
+              <a:t>Borrar el (;) de </a:t>
+            </a:r>
+            <a:r>
+              <a:rPr lang="es-ES" dirty="0" err="1" smtClean="0"/>
+              <a:t>extension</a:t>
+            </a:r>
+            <a:r>
+              <a:rPr lang="es-ES" dirty="0" smtClean="0"/>
+              <a:t>_= </a:t>
+            </a:r>
+            <a:r>
+              <a:rPr lang="es-ES" dirty="0" err="1" smtClean="0"/>
+              <a:t>fileinfo</a:t>
+            </a:r>
+            <a:endParaRPr lang="es-ES" dirty="0" smtClean="0"/>
+          </a:p>
+          <a:p>
+            <a:r>
+              <a:rPr lang="es-ES" dirty="0" smtClean="0"/>
+              <a:t>Guardar y salir</a:t>
+            </a:r>
+            <a:endParaRPr lang="en-US" dirty="0"/>
+          </a:p>
+        </p:txBody>
+      </p:sp>
+      <p:sp>
+        <p:nvSpPr>
+          <p:cNvPr id="4" name="Rectángulo 3"/>
+          <p:cNvSpPr/>
+          <p:nvPr/>
+        </p:nvSpPr>
+        <p:spPr>
+          <a:xfrm>
+            <a:off x="689318" y="0"/>
+            <a:ext cx="11502682" cy="1216855"/>
+          </a:xfrm>
+          <a:prstGeom prst="rect">
+            <a:avLst/>
+          </a:prstGeom>
+          <a:solidFill>
+            <a:srgbClr val="191B0E"/>
+          </a:solidFill>
+          <a:ln>
+            <a:noFill/>
+          </a:ln>
+        </p:spPr>
+        <p:style>
+          <a:lnRef idx="2">
+            <a:schemeClr val="accent1">
+              <a:shade val="50000"/>
+            </a:schemeClr>
+          </a:lnRef>
+          <a:fillRef idx="1">
+            <a:schemeClr val="accent1"/>
+          </a:fillRef>
+          <a:effectRef idx="0">
+            <a:schemeClr val="accent1"/>
+          </a:effectRef>
+          <a:fontRef idx="minor">
+            <a:schemeClr val="lt1"/>
+          </a:fontRef>
+        </p:style>
+        <p:txBody>
+          <a:bodyPr rtlCol="0" anchor="ctr"/>
+          <a:lstStyle/>
+          <a:p>
+            <a:pPr algn="ctr"/>
+            <a:r>
+              <a:rPr lang="es-ES" sz="3200" b="1" dirty="0" smtClean="0"/>
+              <a:t>SEGUNDO ERROR </a:t>
+            </a:r>
+            <a:endParaRPr lang="en-US" sz="3200" b="1" dirty="0"/>
+          </a:p>
+        </p:txBody>
+      </p:sp>
+      <p:pic>
+        <p:nvPicPr>
+          <p:cNvPr id="2" name="Imagen 1"/>
+          <p:cNvPicPr>
+            <a:picLocks noChangeAspect="1"/>
+          </p:cNvPicPr>
+          <p:nvPr/>
+        </p:nvPicPr>
+        <p:blipFill>
+          <a:blip r:embed="rId2"/>
+          <a:stretch>
+            <a:fillRect/>
+          </a:stretch>
+        </p:blipFill>
+        <p:spPr>
+          <a:xfrm>
+            <a:off x="2237496" y="1381230"/>
+            <a:ext cx="7875266" cy="433501"/>
+          </a:xfrm>
+          <a:prstGeom prst="rect">
+            <a:avLst/>
+          </a:prstGeom>
+        </p:spPr>
+      </p:pic>
+      <p:pic>
+        <p:nvPicPr>
+          <p:cNvPr id="8" name="Imagen 7"/>
+          <p:cNvPicPr>
+            <a:picLocks noChangeAspect="1"/>
+          </p:cNvPicPr>
+          <p:nvPr/>
+        </p:nvPicPr>
+        <p:blipFill>
+          <a:blip r:embed="rId3"/>
+          <a:stretch>
+            <a:fillRect/>
+          </a:stretch>
+        </p:blipFill>
+        <p:spPr>
+          <a:xfrm>
+            <a:off x="7818225" y="4770966"/>
+            <a:ext cx="1648055" cy="495369"/>
+          </a:xfrm>
+          <a:prstGeom prst="rect">
+            <a:avLst/>
+          </a:prstGeom>
+        </p:spPr>
+      </p:pic>
+      <p:pic>
+        <p:nvPicPr>
+          <p:cNvPr id="9" name="Imagen 8"/>
+          <p:cNvPicPr>
+            <a:picLocks noChangeAspect="1"/>
+          </p:cNvPicPr>
+          <p:nvPr/>
+        </p:nvPicPr>
+        <p:blipFill>
+          <a:blip r:embed="rId4"/>
+          <a:stretch>
+            <a:fillRect/>
+          </a:stretch>
+        </p:blipFill>
+        <p:spPr>
+          <a:xfrm>
+            <a:off x="6123728" y="2721268"/>
+            <a:ext cx="6068272" cy="1143160"/>
+          </a:xfrm>
+          <a:prstGeom prst="rect">
+            <a:avLst/>
+          </a:prstGeom>
+        </p:spPr>
+      </p:pic>
+    </p:spTree>
+    <p:extLst>
+      <p:ext uri="{BB962C8B-B14F-4D97-AF65-F5344CB8AC3E}">
+        <p14:creationId xmlns:p14="http://schemas.microsoft.com/office/powerpoint/2010/main" val="2766346708"/>
+      </p:ext>
+    </p:extLst>
+  </p:cSld>
+  <p:clrMapOvr>
+    <a:masterClrMapping/>
+  </p:clrMapOvr>
+  <p:timing>
+    <p:tnLst>
+      <p:par>
+        <p:cTn id="1" dur="indefinite" restart="never" nodeType="tmRoot"/>
+      </p:par>
+    </p:tnLst>
+  </p:timing>
+</p:sld>
+</file>
+
+<file path=ppt/slides/slide14.xml><?xml version="1.0" encoding="utf-8"?>
+<p:sld xmlns:a="http://schemas.openxmlformats.org/drawingml/2006/main" xmlns:r="http://schemas.openxmlformats.org/officeDocument/2006/relationships" xmlns:p="http://schemas.openxmlformats.org/presentationml/2006/main">
+  <p:cSld>
+    <p:spTree>
+      <p:nvGrpSpPr>
+        <p:cNvPr id="1" name=""/>
+        <p:cNvGrpSpPr/>
+        <p:nvPr/>
+      </p:nvGrpSpPr>
+      <p:grpSpPr>
+        <a:xfrm>
+          <a:off x="0" y="0"/>
+          <a:ext cx="0" cy="0"/>
+          <a:chOff x="0" y="0"/>
+          <a:chExt cx="0" cy="0"/>
+        </a:xfrm>
+      </p:grpSpPr>
+      <p:sp>
+        <p:nvSpPr>
+          <p:cNvPr id="3" name="Marcador de contenido 2"/>
+          <p:cNvSpPr>
+            <a:spLocks noGrp="1"/>
+          </p:cNvSpPr>
+          <p:nvPr>
+            <p:ph idx="1"/>
+          </p:nvPr>
+        </p:nvSpPr>
+        <p:spPr>
+          <a:xfrm>
+            <a:off x="935501" y="1392701"/>
+            <a:ext cx="10796954" cy="4937762"/>
+          </a:xfrm>
+        </p:spPr>
+        <p:txBody>
+          <a:bodyPr>
+            <a:normAutofit/>
+          </a:bodyPr>
+          <a:lstStyle/>
+          <a:p>
+            <a:pPr>
+              <a:lnSpc>
+                <a:spcPct val="160000"/>
+              </a:lnSpc>
+            </a:pPr>
+            <a:r>
+              <a:rPr lang="es-ES" dirty="0" smtClean="0"/>
+              <a:t>Dentro de </a:t>
+            </a:r>
+            <a:r>
+              <a:rPr lang="es-ES" dirty="0" err="1" smtClean="0"/>
+              <a:t>Xampp</a:t>
+            </a:r>
+            <a:r>
+              <a:rPr lang="es-ES" dirty="0" smtClean="0"/>
+              <a:t> poner a iniciar </a:t>
+            </a:r>
+            <a:r>
+              <a:rPr lang="es-ES" b="1" dirty="0" smtClean="0">
+                <a:solidFill>
+                  <a:srgbClr val="FF0000"/>
+                </a:solidFill>
+              </a:rPr>
+              <a:t>Apache</a:t>
+            </a:r>
+            <a:r>
+              <a:rPr lang="es-ES" dirty="0" smtClean="0"/>
+              <a:t> y </a:t>
+            </a:r>
+            <a:r>
+              <a:rPr lang="es-ES" b="1" dirty="0" err="1" smtClean="0">
+                <a:solidFill>
+                  <a:srgbClr val="FF0000"/>
+                </a:solidFill>
+              </a:rPr>
+              <a:t>MySQL</a:t>
+            </a:r>
+            <a:r>
+              <a:rPr lang="es-ES" b="1" dirty="0" smtClean="0">
+                <a:solidFill>
+                  <a:srgbClr val="FF0000"/>
+                </a:solidFill>
+              </a:rPr>
+              <a:t> </a:t>
+            </a:r>
+            <a:r>
+              <a:rPr lang="es-ES" dirty="0" smtClean="0">
+                <a:solidFill>
+                  <a:srgbClr val="191B0E"/>
+                </a:solidFill>
+              </a:rPr>
+              <a:t>luego en el buscador del navegador colocar: </a:t>
+            </a:r>
+            <a:r>
+              <a:rPr lang="es-ES" dirty="0" err="1" smtClean="0">
+                <a:solidFill>
+                  <a:srgbClr val="191B0E"/>
+                </a:solidFill>
+              </a:rPr>
+              <a:t>localhost</a:t>
+            </a:r>
+            <a:r>
+              <a:rPr lang="es-ES" dirty="0" smtClean="0">
+                <a:solidFill>
+                  <a:srgbClr val="191B0E"/>
+                </a:solidFill>
+              </a:rPr>
+              <a:t>/</a:t>
+            </a:r>
+            <a:r>
+              <a:rPr lang="es-ES" dirty="0" err="1" smtClean="0">
+                <a:solidFill>
+                  <a:srgbClr val="191B0E"/>
+                </a:solidFill>
+              </a:rPr>
+              <a:t>phpmyadmin</a:t>
+            </a:r>
+            <a:r>
+              <a:rPr lang="es-ES" dirty="0" smtClean="0">
+                <a:solidFill>
+                  <a:srgbClr val="191B0E"/>
+                </a:solidFill>
+              </a:rPr>
+              <a:t> e ingresar.</a:t>
+            </a:r>
+          </a:p>
+          <a:p>
+            <a:pPr>
+              <a:lnSpc>
+                <a:spcPct val="160000"/>
+              </a:lnSpc>
+            </a:pPr>
+            <a:r>
+              <a:rPr lang="es-ES" dirty="0" smtClean="0">
+                <a:solidFill>
+                  <a:srgbClr val="191B0E"/>
+                </a:solidFill>
+              </a:rPr>
+              <a:t>Presionar donde la opción </a:t>
+            </a:r>
+            <a:r>
+              <a:rPr lang="es-ES" dirty="0" smtClean="0">
+                <a:solidFill>
+                  <a:srgbClr val="FF0000"/>
+                </a:solidFill>
+              </a:rPr>
+              <a:t>Nueva </a:t>
+            </a:r>
+            <a:r>
+              <a:rPr lang="es-ES" dirty="0" smtClean="0">
+                <a:solidFill>
+                  <a:srgbClr val="191B0E"/>
+                </a:solidFill>
+              </a:rPr>
+              <a:t>y colocamos el nombre de nuestra base de datos en este caso colocaremos igual que nuestro proyecto: </a:t>
+            </a:r>
+            <a:r>
+              <a:rPr lang="es-ES" b="1" dirty="0" smtClean="0">
+                <a:solidFill>
+                  <a:srgbClr val="191B0E"/>
+                </a:solidFill>
+              </a:rPr>
+              <a:t>Practica </a:t>
+            </a:r>
+            <a:r>
+              <a:rPr lang="es-ES" dirty="0" smtClean="0">
+                <a:solidFill>
+                  <a:srgbClr val="191B0E"/>
+                </a:solidFill>
+              </a:rPr>
+              <a:t>| Crear</a:t>
+            </a:r>
+          </a:p>
+          <a:p>
+            <a:pPr>
+              <a:lnSpc>
+                <a:spcPct val="160000"/>
+              </a:lnSpc>
+            </a:pPr>
+            <a:r>
+              <a:rPr lang="es-ES" dirty="0" smtClean="0">
+                <a:solidFill>
+                  <a:srgbClr val="191B0E"/>
+                </a:solidFill>
+              </a:rPr>
+              <a:t>Luego iniciamos nuestra carpeta </a:t>
+            </a:r>
+            <a:r>
+              <a:rPr lang="es-ES" b="1" dirty="0">
+                <a:solidFill>
+                  <a:srgbClr val="191B0E"/>
+                </a:solidFill>
+              </a:rPr>
+              <a:t>p</a:t>
+            </a:r>
+            <a:r>
+              <a:rPr lang="es-ES" b="1" dirty="0" smtClean="0">
+                <a:solidFill>
+                  <a:srgbClr val="191B0E"/>
+                </a:solidFill>
+              </a:rPr>
+              <a:t>ractica </a:t>
+            </a:r>
+            <a:r>
+              <a:rPr lang="es-ES" dirty="0" smtClean="0">
+                <a:solidFill>
+                  <a:srgbClr val="191B0E"/>
+                </a:solidFill>
+              </a:rPr>
+              <a:t>con </a:t>
+            </a:r>
+            <a:r>
+              <a:rPr lang="es-ES" dirty="0" err="1" smtClean="0">
+                <a:solidFill>
+                  <a:srgbClr val="191B0E"/>
+                </a:solidFill>
+              </a:rPr>
+              <a:t>vs_code</a:t>
+            </a:r>
+            <a:r>
+              <a:rPr lang="es-ES" dirty="0" smtClean="0">
+                <a:solidFill>
+                  <a:srgbClr val="191B0E"/>
+                </a:solidFill>
+              </a:rPr>
+              <a:t> y buscamos el archivo (.</a:t>
+            </a:r>
+            <a:r>
+              <a:rPr lang="es-ES" dirty="0" err="1" smtClean="0">
+                <a:solidFill>
+                  <a:srgbClr val="191B0E"/>
+                </a:solidFill>
+              </a:rPr>
+              <a:t>env</a:t>
+            </a:r>
+            <a:r>
+              <a:rPr lang="es-ES" dirty="0" smtClean="0">
+                <a:solidFill>
+                  <a:srgbClr val="191B0E"/>
+                </a:solidFill>
+              </a:rPr>
+              <a:t>)</a:t>
+            </a:r>
+          </a:p>
+          <a:p>
+            <a:pPr>
+              <a:lnSpc>
+                <a:spcPct val="160000"/>
+              </a:lnSpc>
+            </a:pPr>
+            <a:r>
+              <a:rPr lang="es-ES" dirty="0" smtClean="0">
+                <a:solidFill>
+                  <a:srgbClr val="191B0E"/>
+                </a:solidFill>
+              </a:rPr>
+              <a:t>Luego buscamos (DB_CONNECTION=</a:t>
+            </a:r>
+            <a:r>
+              <a:rPr lang="es-ES" dirty="0" err="1" smtClean="0">
+                <a:solidFill>
+                  <a:srgbClr val="191B0E"/>
+                </a:solidFill>
+              </a:rPr>
+              <a:t>sqlite</a:t>
+            </a:r>
+            <a:r>
+              <a:rPr lang="es-ES" dirty="0" smtClean="0">
+                <a:solidFill>
+                  <a:srgbClr val="191B0E"/>
+                </a:solidFill>
+              </a:rPr>
+              <a:t>) y donde dice (DATABASE=) borramos el nombre por defecto y colocamos el nombre de nuestra base da datos que creamos (DATABASE=practica)</a:t>
+            </a:r>
+          </a:p>
+          <a:p>
+            <a:pPr>
+              <a:lnSpc>
+                <a:spcPct val="100000"/>
+              </a:lnSpc>
+            </a:pPr>
+            <a:r>
+              <a:rPr lang="es-ES" dirty="0" smtClean="0">
+                <a:solidFill>
+                  <a:srgbClr val="191B0E"/>
+                </a:solidFill>
+              </a:rPr>
+              <a:t>Buscamos donde dice (APP-URL=) y de igual manera debemos colocar la ruta de nuestra base de datos, en este caso es: APP_URL = </a:t>
+            </a:r>
+            <a:r>
+              <a:rPr lang="es-ES" dirty="0" smtClean="0">
+                <a:solidFill>
+                  <a:srgbClr val="191B0E"/>
+                </a:solidFill>
+                <a:hlinkClick r:id="rId2"/>
+              </a:rPr>
+              <a:t>http://localhost/practica</a:t>
+            </a:r>
+            <a:endParaRPr lang="es-ES" dirty="0" smtClean="0">
+              <a:solidFill>
+                <a:srgbClr val="191B0E"/>
+              </a:solidFill>
+            </a:endParaRPr>
+          </a:p>
+        </p:txBody>
+      </p:sp>
+      <p:sp>
+        <p:nvSpPr>
+          <p:cNvPr id="4" name="Rectángulo 3"/>
+          <p:cNvSpPr/>
+          <p:nvPr/>
+        </p:nvSpPr>
+        <p:spPr>
+          <a:xfrm>
+            <a:off x="689318" y="0"/>
+            <a:ext cx="11502682" cy="1216855"/>
+          </a:xfrm>
+          <a:prstGeom prst="rect">
+            <a:avLst/>
+          </a:prstGeom>
+          <a:solidFill>
+            <a:srgbClr val="191B0E"/>
+          </a:solidFill>
+          <a:ln>
+            <a:noFill/>
+          </a:ln>
+        </p:spPr>
+        <p:style>
+          <a:lnRef idx="2">
+            <a:schemeClr val="accent1">
+              <a:shade val="50000"/>
+            </a:schemeClr>
+          </a:lnRef>
+          <a:fillRef idx="1">
+            <a:schemeClr val="accent1"/>
+          </a:fillRef>
+          <a:effectRef idx="0">
+            <a:schemeClr val="accent1"/>
+          </a:effectRef>
+          <a:fontRef idx="minor">
+            <a:schemeClr val="lt1"/>
+          </a:fontRef>
+        </p:style>
+        <p:txBody>
+          <a:bodyPr rtlCol="0" anchor="ctr"/>
+          <a:lstStyle/>
+          <a:p>
+            <a:pPr algn="ctr"/>
+            <a:r>
+              <a:rPr lang="es-ES" sz="3200" b="1" dirty="0" smtClean="0"/>
+              <a:t>PROCEDIMIENTO PARA CREAR LA BASE DE DATOS Y CONECTAR LA BASE DE DATOS</a:t>
+            </a:r>
+            <a:endParaRPr lang="en-US" sz="3200" b="1" dirty="0"/>
+          </a:p>
+        </p:txBody>
+      </p:sp>
+    </p:spTree>
+    <p:extLst>
+      <p:ext uri="{BB962C8B-B14F-4D97-AF65-F5344CB8AC3E}">
+        <p14:creationId xmlns:p14="http://schemas.microsoft.com/office/powerpoint/2010/main" val="386930932"/>
+      </p:ext>
+    </p:extLst>
+  </p:cSld>
+  <p:clrMapOvr>
+    <a:masterClrMapping/>
+  </p:clrMapOvr>
+  <p:timing>
+    <p:tnLst>
+      <p:par>
+        <p:cTn id="1" dur="indefinite" restart="never" nodeType="tmRoot"/>
+      </p:par>
+    </p:tnLst>
+  </p:timing>
+</p:sld>
+</file>
+
+<file path=ppt/slides/slide15.xml><?xml version="1.0" encoding="utf-8"?>
+<p:sld xmlns:a="http://schemas.openxmlformats.org/drawingml/2006/main" xmlns:r="http://schemas.openxmlformats.org/officeDocument/2006/relationships" xmlns:p="http://schemas.openxmlformats.org/presentationml/2006/main">
+  <p:cSld>
+    <p:spTree>
+      <p:nvGrpSpPr>
+        <p:cNvPr id="1" name=""/>
+        <p:cNvGrpSpPr/>
+        <p:nvPr/>
+      </p:nvGrpSpPr>
+      <p:grpSpPr>
+        <a:xfrm>
+          <a:off x="0" y="0"/>
+          <a:ext cx="0" cy="0"/>
+          <a:chOff x="0" y="0"/>
+          <a:chExt cx="0" cy="0"/>
+        </a:xfrm>
+      </p:grpSpPr>
+      <p:sp>
+        <p:nvSpPr>
+          <p:cNvPr id="3" name="Marcador de contenido 2"/>
+          <p:cNvSpPr>
+            <a:spLocks noGrp="1"/>
+          </p:cNvSpPr>
+          <p:nvPr>
+            <p:ph idx="1"/>
+          </p:nvPr>
+        </p:nvSpPr>
+        <p:spPr>
+          <a:xfrm>
+            <a:off x="1371600" y="1041009"/>
+            <a:ext cx="9601200" cy="5092505"/>
+          </a:xfrm>
+        </p:spPr>
+        <p:txBody>
+          <a:bodyPr/>
+          <a:lstStyle/>
+          <a:p>
+            <a:r>
+              <a:rPr lang="es-ES" dirty="0">
+                <a:solidFill>
+                  <a:srgbClr val="191B0E"/>
+                </a:solidFill>
+              </a:rPr>
+              <a:t>De la misma manera hay una herramienta de seguridad con nombre (APP_KEY=) si queremos un KEY dentro de </a:t>
+            </a:r>
+            <a:r>
+              <a:rPr lang="es-ES" dirty="0" smtClean="0">
+                <a:solidFill>
+                  <a:srgbClr val="191B0E"/>
+                </a:solidFill>
+              </a:rPr>
+              <a:t>la </a:t>
+            </a:r>
+            <a:r>
+              <a:rPr lang="es-ES" dirty="0">
+                <a:solidFill>
+                  <a:srgbClr val="191B0E"/>
+                </a:solidFill>
+              </a:rPr>
+              <a:t>carpeta del proyecto por terminal ingresamos: </a:t>
+            </a:r>
+            <a:r>
+              <a:rPr lang="es-ES" b="1" dirty="0" err="1">
+                <a:solidFill>
+                  <a:srgbClr val="191B0E"/>
+                </a:solidFill>
+              </a:rPr>
+              <a:t>php</a:t>
+            </a:r>
+            <a:r>
+              <a:rPr lang="es-ES" b="1" dirty="0">
+                <a:solidFill>
+                  <a:srgbClr val="191B0E"/>
+                </a:solidFill>
+              </a:rPr>
+              <a:t> </a:t>
+            </a:r>
+            <a:r>
+              <a:rPr lang="es-ES" b="1" dirty="0" err="1">
+                <a:solidFill>
+                  <a:srgbClr val="191B0E"/>
+                </a:solidFill>
+              </a:rPr>
+              <a:t>artisan</a:t>
+            </a:r>
+            <a:r>
+              <a:rPr lang="es-ES" b="1" dirty="0">
+                <a:solidFill>
+                  <a:srgbClr val="191B0E"/>
+                </a:solidFill>
+              </a:rPr>
+              <a:t> </a:t>
+            </a:r>
+            <a:r>
+              <a:rPr lang="es-ES" b="1" dirty="0" err="1">
+                <a:solidFill>
+                  <a:srgbClr val="191B0E"/>
+                </a:solidFill>
+              </a:rPr>
+              <a:t>key:generate</a:t>
+            </a:r>
+            <a:r>
+              <a:rPr lang="es-ES" dirty="0">
+                <a:solidFill>
+                  <a:srgbClr val="191B0E"/>
+                </a:solidFill>
+              </a:rPr>
+              <a:t> y nos crea una KEY</a:t>
+            </a:r>
+          </a:p>
+          <a:p>
+            <a:r>
+              <a:rPr lang="es-ES" dirty="0" smtClean="0"/>
+              <a:t>Otro comando que se debe ejecutar es: </a:t>
+            </a:r>
+            <a:r>
+              <a:rPr lang="es-ES" b="1" dirty="0" err="1" smtClean="0"/>
+              <a:t>php</a:t>
+            </a:r>
+            <a:r>
+              <a:rPr lang="es-ES" b="1" dirty="0" smtClean="0"/>
+              <a:t> </a:t>
+            </a:r>
+            <a:r>
+              <a:rPr lang="es-ES" b="1" dirty="0" err="1" smtClean="0"/>
+              <a:t>artisan</a:t>
+            </a:r>
+            <a:r>
+              <a:rPr lang="es-ES" b="1" dirty="0" smtClean="0"/>
+              <a:t> </a:t>
+            </a:r>
+            <a:r>
+              <a:rPr lang="es-ES" b="1" dirty="0" err="1" smtClean="0"/>
+              <a:t>migrate</a:t>
+            </a:r>
+            <a:r>
+              <a:rPr lang="es-ES" b="1" dirty="0" smtClean="0"/>
+              <a:t>  </a:t>
+            </a:r>
+            <a:r>
+              <a:rPr lang="es-ES" sz="2400" b="1" dirty="0" smtClean="0"/>
+              <a:t>- -</a:t>
+            </a:r>
+            <a:r>
+              <a:rPr lang="es-ES" b="1" dirty="0" smtClean="0"/>
+              <a:t> </a:t>
+            </a:r>
+            <a:r>
+              <a:rPr lang="es-ES" b="1" dirty="0" err="1" smtClean="0"/>
+              <a:t>seed</a:t>
+            </a:r>
+            <a:r>
+              <a:rPr lang="es-ES" b="1" dirty="0" smtClean="0"/>
+              <a:t>     </a:t>
+            </a:r>
+            <a:r>
+              <a:rPr lang="es-ES" dirty="0" smtClean="0"/>
+              <a:t>este comando nos sirve para configurar la base de datos y ejecutar las migraciones y semillas.</a:t>
+            </a:r>
+          </a:p>
+          <a:p>
+            <a:r>
+              <a:rPr lang="es-ES" dirty="0" smtClean="0"/>
+              <a:t>Otro comando que se puede usar es: </a:t>
+            </a:r>
+            <a:r>
+              <a:rPr lang="es-ES" b="1" dirty="0" err="1" smtClean="0"/>
+              <a:t>php</a:t>
+            </a:r>
+            <a:r>
+              <a:rPr lang="es-ES" b="1" dirty="0" smtClean="0"/>
+              <a:t> </a:t>
+            </a:r>
+            <a:r>
+              <a:rPr lang="es-ES" b="1" dirty="0" err="1" smtClean="0"/>
+              <a:t>artisan</a:t>
+            </a:r>
+            <a:r>
+              <a:rPr lang="es-ES" b="1" dirty="0" smtClean="0"/>
+              <a:t> </a:t>
+            </a:r>
+            <a:r>
+              <a:rPr lang="es-ES" b="1" dirty="0" err="1" smtClean="0"/>
+              <a:t>serve</a:t>
+            </a:r>
+            <a:r>
+              <a:rPr lang="es-ES" b="1" dirty="0" smtClean="0"/>
+              <a:t>    </a:t>
+            </a:r>
+            <a:r>
+              <a:rPr lang="es-ES" dirty="0" smtClean="0"/>
+              <a:t>este comando nos </a:t>
+            </a:r>
+            <a:r>
+              <a:rPr lang="es-ES" dirty="0" err="1" smtClean="0"/>
+              <a:t>dara</a:t>
+            </a:r>
+            <a:r>
+              <a:rPr lang="es-ES" dirty="0" smtClean="0"/>
+              <a:t> la </a:t>
+            </a:r>
+            <a:r>
+              <a:rPr lang="es-ES" dirty="0" err="1" smtClean="0"/>
+              <a:t>ip</a:t>
+            </a:r>
+            <a:r>
+              <a:rPr lang="es-ES" dirty="0" smtClean="0"/>
+              <a:t> de el </a:t>
+            </a:r>
+            <a:r>
+              <a:rPr lang="es-ES" dirty="0" err="1" smtClean="0"/>
+              <a:t>laravel</a:t>
+            </a:r>
+            <a:r>
+              <a:rPr lang="es-ES" dirty="0" smtClean="0"/>
+              <a:t> que instalamos.</a:t>
+            </a:r>
+          </a:p>
+        </p:txBody>
+      </p:sp>
+    </p:spTree>
+    <p:extLst>
+      <p:ext uri="{BB962C8B-B14F-4D97-AF65-F5344CB8AC3E}">
+        <p14:creationId xmlns:p14="http://schemas.microsoft.com/office/powerpoint/2010/main" val="1655073793"/>
+      </p:ext>
+    </p:extLst>
+  </p:cSld>
+  <p:clrMapOvr>
+    <a:masterClrMapping/>
+  </p:clrMapOvr>
+  <p:timing>
+    <p:tnLst>
+      <p:par>
+        <p:cTn id="1" dur="indefinite" restart="never" nodeType="tmRoot"/>
+      </p:par>
+    </p:tnLst>
+  </p:timing>
+</p:sld>
+</file>
+
+<file path=ppt/slides/slide16.xml><?xml version="1.0" encoding="utf-8"?>
+<p:sld xmlns:a="http://schemas.openxmlformats.org/drawingml/2006/main" xmlns:r="http://schemas.openxmlformats.org/officeDocument/2006/relationships" xmlns:p="http://schemas.openxmlformats.org/presentationml/2006/main">
+  <p:cSld>
+    <p:spTree>
+      <p:nvGrpSpPr>
+        <p:cNvPr id="1" name=""/>
+        <p:cNvGrpSpPr/>
+        <p:nvPr/>
+      </p:nvGrpSpPr>
+      <p:grpSpPr>
+        <a:xfrm>
+          <a:off x="0" y="0"/>
+          <a:ext cx="0" cy="0"/>
+          <a:chOff x="0" y="0"/>
+          <a:chExt cx="0" cy="0"/>
+        </a:xfrm>
+      </p:grpSpPr>
+      <p:sp>
+        <p:nvSpPr>
+          <p:cNvPr id="3" name="Marcador de contenido 2"/>
+          <p:cNvSpPr>
+            <a:spLocks noGrp="1"/>
+          </p:cNvSpPr>
+          <p:nvPr>
+            <p:ph idx="1"/>
+          </p:nvPr>
+        </p:nvSpPr>
+        <p:spPr>
+          <a:xfrm>
+            <a:off x="1028700" y="1384300"/>
+            <a:ext cx="9601200" cy="863600"/>
+          </a:xfrm>
+        </p:spPr>
+        <p:txBody>
+          <a:bodyPr/>
+          <a:lstStyle/>
+          <a:p>
+            <a:r>
+              <a:rPr lang="es-ES" dirty="0" err="1" smtClean="0"/>
+              <a:t>Tailwind</a:t>
+            </a:r>
+            <a:r>
+              <a:rPr lang="es-ES" dirty="0" smtClean="0"/>
+              <a:t> </a:t>
+            </a:r>
+            <a:r>
+              <a:rPr lang="es-ES" dirty="0" err="1" smtClean="0"/>
+              <a:t>css</a:t>
+            </a:r>
+            <a:r>
+              <a:rPr lang="es-ES" dirty="0" smtClean="0"/>
+              <a:t> es un </a:t>
+            </a:r>
+            <a:r>
+              <a:rPr lang="es-ES" dirty="0" err="1" smtClean="0"/>
+              <a:t>framework</a:t>
+            </a:r>
+            <a:r>
+              <a:rPr lang="es-ES" dirty="0" smtClean="0"/>
+              <a:t> de interfaz de creación de usuario para construir sitios web eficiente y rápida, adopta un enfoque mas a bajo nivel.</a:t>
+            </a:r>
+            <a:endParaRPr lang="en-US" dirty="0"/>
+          </a:p>
+        </p:txBody>
+      </p:sp>
+      <p:sp>
+        <p:nvSpPr>
+          <p:cNvPr id="4" name="Rectángulo 3"/>
+          <p:cNvSpPr/>
+          <p:nvPr/>
+        </p:nvSpPr>
+        <p:spPr>
+          <a:xfrm>
+            <a:off x="689318" y="0"/>
+            <a:ext cx="11502682" cy="1216855"/>
+          </a:xfrm>
+          <a:prstGeom prst="rect">
+            <a:avLst/>
+          </a:prstGeom>
+          <a:solidFill>
+            <a:srgbClr val="191B0E"/>
+          </a:solidFill>
+          <a:ln>
+            <a:noFill/>
+          </a:ln>
+        </p:spPr>
+        <p:style>
+          <a:lnRef idx="2">
+            <a:schemeClr val="accent1">
+              <a:shade val="50000"/>
+            </a:schemeClr>
+          </a:lnRef>
+          <a:fillRef idx="1">
+            <a:schemeClr val="accent1"/>
+          </a:fillRef>
+          <a:effectRef idx="0">
+            <a:schemeClr val="accent1"/>
+          </a:effectRef>
+          <a:fontRef idx="minor">
+            <a:schemeClr val="lt1"/>
+          </a:fontRef>
+        </p:style>
+        <p:txBody>
+          <a:bodyPr rtlCol="0" anchor="ctr"/>
+          <a:lstStyle/>
+          <a:p>
+            <a:pPr algn="ctr"/>
+            <a:r>
+              <a:rPr lang="es-ES" sz="3200" b="1" dirty="0" smtClean="0"/>
+              <a:t>INSTALACION DE TAILWIND CSS</a:t>
+            </a:r>
+            <a:endParaRPr lang="en-US" sz="3200" b="1" dirty="0"/>
+          </a:p>
+        </p:txBody>
+      </p:sp>
+      <p:pic>
+        <p:nvPicPr>
+          <p:cNvPr id="2" name="Imagen 1"/>
+          <p:cNvPicPr>
+            <a:picLocks noChangeAspect="1"/>
+          </p:cNvPicPr>
+          <p:nvPr/>
+        </p:nvPicPr>
+        <p:blipFill>
+          <a:blip r:embed="rId2"/>
+          <a:stretch>
+            <a:fillRect/>
+          </a:stretch>
+        </p:blipFill>
+        <p:spPr>
+          <a:xfrm>
+            <a:off x="1527120" y="2253397"/>
+            <a:ext cx="781159" cy="323895"/>
+          </a:xfrm>
+          <a:prstGeom prst="rect">
+            <a:avLst/>
+          </a:prstGeom>
+        </p:spPr>
+      </p:pic>
+      <p:pic>
+        <p:nvPicPr>
+          <p:cNvPr id="5" name="Imagen 4"/>
+          <p:cNvPicPr>
+            <a:picLocks noChangeAspect="1"/>
+          </p:cNvPicPr>
+          <p:nvPr/>
+        </p:nvPicPr>
+        <p:blipFill>
+          <a:blip r:embed="rId3"/>
+          <a:stretch>
+            <a:fillRect/>
+          </a:stretch>
+        </p:blipFill>
+        <p:spPr>
+          <a:xfrm>
+            <a:off x="1527120" y="2708157"/>
+            <a:ext cx="2212427" cy="1432044"/>
+          </a:xfrm>
+          <a:prstGeom prst="rect">
+            <a:avLst/>
+          </a:prstGeom>
+        </p:spPr>
+      </p:pic>
+      <p:pic>
+        <p:nvPicPr>
+          <p:cNvPr id="6" name="Imagen 5"/>
+          <p:cNvPicPr>
+            <a:picLocks noChangeAspect="1"/>
+          </p:cNvPicPr>
+          <p:nvPr/>
+        </p:nvPicPr>
+        <p:blipFill>
+          <a:blip r:embed="rId4"/>
+          <a:stretch>
+            <a:fillRect/>
+          </a:stretch>
+        </p:blipFill>
+        <p:spPr>
+          <a:xfrm>
+            <a:off x="1527120" y="4271066"/>
+            <a:ext cx="1152686" cy="485843"/>
+          </a:xfrm>
+          <a:prstGeom prst="rect">
+            <a:avLst/>
+          </a:prstGeom>
+        </p:spPr>
+      </p:pic>
+      <p:sp>
+        <p:nvSpPr>
+          <p:cNvPr id="7" name="CuadroTexto 6"/>
+          <p:cNvSpPr txBox="1"/>
+          <p:nvPr/>
+        </p:nvSpPr>
+        <p:spPr>
+          <a:xfrm>
+            <a:off x="1527120" y="5003800"/>
+            <a:ext cx="4683179" cy="276999"/>
+          </a:xfrm>
+          <a:prstGeom prst="rect">
+            <a:avLst/>
+          </a:prstGeom>
+          <a:noFill/>
+          <a:ln>
+            <a:solidFill>
+              <a:schemeClr val="tx1">
+                <a:lumMod val="95000"/>
+                <a:lumOff val="5000"/>
+              </a:schemeClr>
+            </a:solidFill>
+          </a:ln>
+        </p:spPr>
+        <p:txBody>
+          <a:bodyPr wrap="square" rtlCol="0">
+            <a:spAutoFit/>
+          </a:bodyPr>
+          <a:lstStyle/>
+          <a:p>
+            <a:r>
+              <a:rPr lang="es-ES" sz="1200" dirty="0" smtClean="0"/>
+              <a:t>Copear los códigos a la terminal donde se </a:t>
+            </a:r>
+            <a:r>
+              <a:rPr lang="es-ES" sz="1200" dirty="0" err="1" smtClean="0"/>
+              <a:t>encuenta</a:t>
+            </a:r>
+            <a:r>
+              <a:rPr lang="es-ES" sz="1200" dirty="0" smtClean="0"/>
+              <a:t> nuestro proyecto</a:t>
+            </a:r>
+            <a:endParaRPr lang="en-US" sz="1200" dirty="0"/>
+          </a:p>
+        </p:txBody>
+      </p:sp>
+      <p:pic>
+        <p:nvPicPr>
+          <p:cNvPr id="8" name="Imagen 7"/>
+          <p:cNvPicPr>
+            <a:picLocks noChangeAspect="1"/>
+          </p:cNvPicPr>
+          <p:nvPr/>
+        </p:nvPicPr>
+        <p:blipFill>
+          <a:blip r:embed="rId5"/>
+          <a:stretch>
+            <a:fillRect/>
+          </a:stretch>
+        </p:blipFill>
+        <p:spPr>
+          <a:xfrm>
+            <a:off x="1527120" y="5280799"/>
+            <a:ext cx="4683180" cy="1190791"/>
+          </a:xfrm>
+          <a:prstGeom prst="rect">
+            <a:avLst/>
+          </a:prstGeom>
+        </p:spPr>
+      </p:pic>
+      <p:sp>
+        <p:nvSpPr>
+          <p:cNvPr id="9" name="CuadroTexto 8"/>
+          <p:cNvSpPr txBox="1"/>
+          <p:nvPr/>
+        </p:nvSpPr>
+        <p:spPr>
+          <a:xfrm>
+            <a:off x="1028700" y="2225473"/>
+            <a:ext cx="375424" cy="369332"/>
+          </a:xfrm>
+          <a:prstGeom prst="rect">
+            <a:avLst/>
+          </a:prstGeom>
+          <a:noFill/>
+        </p:spPr>
+        <p:txBody>
+          <a:bodyPr wrap="none" rtlCol="0">
+            <a:spAutoFit/>
+          </a:bodyPr>
+          <a:lstStyle/>
+          <a:p>
+            <a:r>
+              <a:rPr lang="es-ES" dirty="0" smtClean="0"/>
+              <a:t>1.</a:t>
+            </a:r>
+            <a:endParaRPr lang="en-US" dirty="0"/>
+          </a:p>
+        </p:txBody>
+      </p:sp>
+      <p:sp>
+        <p:nvSpPr>
+          <p:cNvPr id="10" name="CuadroTexto 9"/>
+          <p:cNvSpPr txBox="1"/>
+          <p:nvPr/>
+        </p:nvSpPr>
+        <p:spPr>
+          <a:xfrm>
+            <a:off x="1028700" y="3210351"/>
+            <a:ext cx="377026" cy="369332"/>
+          </a:xfrm>
+          <a:prstGeom prst="rect">
+            <a:avLst/>
+          </a:prstGeom>
+          <a:noFill/>
+        </p:spPr>
+        <p:txBody>
+          <a:bodyPr wrap="none" rtlCol="0">
+            <a:spAutoFit/>
+          </a:bodyPr>
+          <a:lstStyle/>
+          <a:p>
+            <a:r>
+              <a:rPr lang="es-ES" dirty="0"/>
+              <a:t>2</a:t>
+            </a:r>
+            <a:r>
+              <a:rPr lang="es-ES" dirty="0" smtClean="0"/>
+              <a:t>.</a:t>
+            </a:r>
+            <a:endParaRPr lang="en-US" dirty="0"/>
+          </a:p>
+        </p:txBody>
+      </p:sp>
+      <p:sp>
+        <p:nvSpPr>
+          <p:cNvPr id="11" name="CuadroTexto 10"/>
+          <p:cNvSpPr txBox="1"/>
+          <p:nvPr/>
+        </p:nvSpPr>
+        <p:spPr>
+          <a:xfrm>
+            <a:off x="1028700" y="4293718"/>
+            <a:ext cx="377026" cy="369332"/>
+          </a:xfrm>
+          <a:prstGeom prst="rect">
+            <a:avLst/>
+          </a:prstGeom>
+          <a:noFill/>
+        </p:spPr>
+        <p:txBody>
+          <a:bodyPr wrap="none" rtlCol="0">
+            <a:spAutoFit/>
+          </a:bodyPr>
+          <a:lstStyle/>
+          <a:p>
+            <a:r>
+              <a:rPr lang="es-ES" dirty="0"/>
+              <a:t>3</a:t>
+            </a:r>
+            <a:r>
+              <a:rPr lang="es-ES" dirty="0" smtClean="0"/>
+              <a:t>.</a:t>
+            </a:r>
+            <a:endParaRPr lang="en-US" dirty="0"/>
+          </a:p>
+        </p:txBody>
+      </p:sp>
+      <p:sp>
+        <p:nvSpPr>
+          <p:cNvPr id="12" name="CuadroTexto 11"/>
+          <p:cNvSpPr txBox="1"/>
+          <p:nvPr/>
+        </p:nvSpPr>
+        <p:spPr>
+          <a:xfrm>
+            <a:off x="1028700" y="5515669"/>
+            <a:ext cx="377026" cy="369332"/>
+          </a:xfrm>
+          <a:prstGeom prst="rect">
+            <a:avLst/>
+          </a:prstGeom>
+          <a:noFill/>
+        </p:spPr>
+        <p:txBody>
+          <a:bodyPr wrap="none" rtlCol="0">
+            <a:spAutoFit/>
+          </a:bodyPr>
+          <a:lstStyle/>
+          <a:p>
+            <a:r>
+              <a:rPr lang="es-ES" dirty="0"/>
+              <a:t>4</a:t>
+            </a:r>
+            <a:r>
+              <a:rPr lang="es-ES" dirty="0" smtClean="0"/>
+              <a:t>.</a:t>
+            </a:r>
+            <a:endParaRPr lang="en-US" dirty="0"/>
+          </a:p>
+        </p:txBody>
+      </p:sp>
+      <p:pic>
+        <p:nvPicPr>
+          <p:cNvPr id="13" name="Imagen 12"/>
+          <p:cNvPicPr>
+            <a:picLocks noChangeAspect="1"/>
+          </p:cNvPicPr>
+          <p:nvPr/>
+        </p:nvPicPr>
+        <p:blipFill>
+          <a:blip r:embed="rId6"/>
+          <a:stretch>
+            <a:fillRect/>
+          </a:stretch>
+        </p:blipFill>
+        <p:spPr>
+          <a:xfrm>
+            <a:off x="7229378" y="2488549"/>
+            <a:ext cx="1390844" cy="266737"/>
+          </a:xfrm>
+          <a:prstGeom prst="rect">
+            <a:avLst/>
+          </a:prstGeom>
+        </p:spPr>
+      </p:pic>
+      <p:sp>
+        <p:nvSpPr>
+          <p:cNvPr id="14" name="CuadroTexto 13"/>
+          <p:cNvSpPr txBox="1"/>
+          <p:nvPr/>
+        </p:nvSpPr>
+        <p:spPr>
+          <a:xfrm>
+            <a:off x="6853954" y="2416137"/>
+            <a:ext cx="377026" cy="369332"/>
+          </a:xfrm>
+          <a:prstGeom prst="rect">
+            <a:avLst/>
+          </a:prstGeom>
+          <a:noFill/>
+        </p:spPr>
+        <p:txBody>
+          <a:bodyPr wrap="none" rtlCol="0">
+            <a:spAutoFit/>
+          </a:bodyPr>
+          <a:lstStyle/>
+          <a:p>
+            <a:r>
+              <a:rPr lang="es-ES" dirty="0"/>
+              <a:t>5</a:t>
+            </a:r>
+            <a:r>
+              <a:rPr lang="es-ES" dirty="0" smtClean="0"/>
+              <a:t>.</a:t>
+            </a:r>
+            <a:endParaRPr lang="en-US" dirty="0"/>
+          </a:p>
+        </p:txBody>
+      </p:sp>
+      <p:sp>
+        <p:nvSpPr>
+          <p:cNvPr id="15" name="CuadroTexto 14"/>
+          <p:cNvSpPr txBox="1"/>
+          <p:nvPr/>
+        </p:nvSpPr>
+        <p:spPr>
+          <a:xfrm>
+            <a:off x="7229378" y="2180772"/>
+            <a:ext cx="2962349" cy="307777"/>
+          </a:xfrm>
+          <a:prstGeom prst="rect">
+            <a:avLst/>
+          </a:prstGeom>
+          <a:noFill/>
+          <a:ln>
+            <a:solidFill>
+              <a:schemeClr val="tx1"/>
+            </a:solidFill>
+          </a:ln>
+        </p:spPr>
+        <p:txBody>
+          <a:bodyPr wrap="none" rtlCol="0">
+            <a:spAutoFit/>
+          </a:bodyPr>
+          <a:lstStyle/>
+          <a:p>
+            <a:r>
+              <a:rPr lang="es-ES" sz="1400" dirty="0" smtClean="0"/>
+              <a:t>Buscamos en el </a:t>
+            </a:r>
+            <a:r>
+              <a:rPr lang="es-ES" sz="1400" dirty="0" err="1" smtClean="0"/>
+              <a:t>vs.code</a:t>
+            </a:r>
+            <a:r>
+              <a:rPr lang="es-ES" sz="1400" dirty="0" smtClean="0"/>
+              <a:t> este archivo</a:t>
+            </a:r>
+            <a:endParaRPr lang="en-US" sz="1400" dirty="0"/>
+          </a:p>
+        </p:txBody>
+      </p:sp>
+      <p:sp>
+        <p:nvSpPr>
+          <p:cNvPr id="16" name="CuadroTexto 15"/>
+          <p:cNvSpPr txBox="1"/>
+          <p:nvPr/>
+        </p:nvSpPr>
+        <p:spPr>
+          <a:xfrm>
+            <a:off x="6853954" y="3100355"/>
+            <a:ext cx="377026" cy="369332"/>
+          </a:xfrm>
+          <a:prstGeom prst="rect">
+            <a:avLst/>
+          </a:prstGeom>
+          <a:noFill/>
+        </p:spPr>
+        <p:txBody>
+          <a:bodyPr wrap="none" rtlCol="0">
+            <a:spAutoFit/>
+          </a:bodyPr>
+          <a:lstStyle/>
+          <a:p>
+            <a:r>
+              <a:rPr lang="es-ES" dirty="0" smtClean="0"/>
+              <a:t>6.</a:t>
+            </a:r>
+            <a:endParaRPr lang="en-US" dirty="0"/>
+          </a:p>
+        </p:txBody>
+      </p:sp>
+      <p:sp>
+        <p:nvSpPr>
+          <p:cNvPr id="17" name="CuadroTexto 16"/>
+          <p:cNvSpPr txBox="1"/>
+          <p:nvPr/>
+        </p:nvSpPr>
+        <p:spPr>
+          <a:xfrm>
+            <a:off x="7229378" y="2902574"/>
+            <a:ext cx="3001912" cy="307777"/>
+          </a:xfrm>
+          <a:prstGeom prst="rect">
+            <a:avLst/>
+          </a:prstGeom>
+          <a:noFill/>
+          <a:ln>
+            <a:solidFill>
+              <a:schemeClr val="tx1"/>
+            </a:solidFill>
+          </a:ln>
+        </p:spPr>
+        <p:txBody>
+          <a:bodyPr wrap="none" rtlCol="0">
+            <a:spAutoFit/>
+          </a:bodyPr>
+          <a:lstStyle/>
+          <a:p>
+            <a:r>
+              <a:rPr lang="es-ES" sz="1400" dirty="0" smtClean="0"/>
+              <a:t>Añadimos el texto como en la imagen</a:t>
+            </a:r>
+          </a:p>
+        </p:txBody>
+      </p:sp>
+      <p:pic>
+        <p:nvPicPr>
+          <p:cNvPr id="18" name="Imagen 17"/>
+          <p:cNvPicPr>
+            <a:picLocks noChangeAspect="1"/>
+          </p:cNvPicPr>
+          <p:nvPr/>
+        </p:nvPicPr>
+        <p:blipFill>
+          <a:blip r:embed="rId7"/>
+          <a:stretch>
+            <a:fillRect/>
+          </a:stretch>
+        </p:blipFill>
+        <p:spPr>
+          <a:xfrm>
+            <a:off x="7229378" y="3198350"/>
+            <a:ext cx="2324424" cy="933580"/>
+          </a:xfrm>
+          <a:prstGeom prst="rect">
+            <a:avLst/>
+          </a:prstGeom>
+        </p:spPr>
+      </p:pic>
+      <p:sp>
+        <p:nvSpPr>
+          <p:cNvPr id="19" name="CuadroTexto 18"/>
+          <p:cNvSpPr txBox="1"/>
+          <p:nvPr/>
+        </p:nvSpPr>
+        <p:spPr>
+          <a:xfrm>
+            <a:off x="7229377" y="4360098"/>
+            <a:ext cx="2962349" cy="307777"/>
+          </a:xfrm>
+          <a:prstGeom prst="rect">
+            <a:avLst/>
+          </a:prstGeom>
+          <a:noFill/>
+          <a:ln>
+            <a:solidFill>
+              <a:schemeClr val="tx1"/>
+            </a:solidFill>
+          </a:ln>
+        </p:spPr>
+        <p:txBody>
+          <a:bodyPr wrap="none" rtlCol="0">
+            <a:spAutoFit/>
+          </a:bodyPr>
+          <a:lstStyle/>
+          <a:p>
+            <a:r>
+              <a:rPr lang="es-ES" sz="1400" dirty="0" smtClean="0"/>
+              <a:t>Buscamos en el </a:t>
+            </a:r>
+            <a:r>
+              <a:rPr lang="es-ES" sz="1400" dirty="0" err="1" smtClean="0"/>
+              <a:t>vs.code</a:t>
+            </a:r>
+            <a:r>
+              <a:rPr lang="es-ES" sz="1400" dirty="0" smtClean="0"/>
+              <a:t> este archivo</a:t>
+            </a:r>
+            <a:endParaRPr lang="en-US" sz="1400" dirty="0"/>
+          </a:p>
+        </p:txBody>
+      </p:sp>
+      <p:sp>
+        <p:nvSpPr>
+          <p:cNvPr id="20" name="CuadroTexto 19"/>
+          <p:cNvSpPr txBox="1"/>
+          <p:nvPr/>
+        </p:nvSpPr>
+        <p:spPr>
+          <a:xfrm>
+            <a:off x="6853954" y="4360098"/>
+            <a:ext cx="351635" cy="369332"/>
+          </a:xfrm>
+          <a:prstGeom prst="rect">
+            <a:avLst/>
+          </a:prstGeom>
+          <a:noFill/>
+        </p:spPr>
+        <p:txBody>
+          <a:bodyPr wrap="none" rtlCol="0">
+            <a:spAutoFit/>
+          </a:bodyPr>
+          <a:lstStyle/>
+          <a:p>
+            <a:r>
+              <a:rPr lang="es-ES" dirty="0"/>
+              <a:t>7</a:t>
+            </a:r>
+            <a:r>
+              <a:rPr lang="es-ES" dirty="0" smtClean="0"/>
+              <a:t>.</a:t>
+            </a:r>
+            <a:endParaRPr lang="en-US" dirty="0"/>
+          </a:p>
+        </p:txBody>
+      </p:sp>
+      <p:pic>
+        <p:nvPicPr>
+          <p:cNvPr id="21" name="Imagen 20"/>
+          <p:cNvPicPr>
+            <a:picLocks noChangeAspect="1"/>
+          </p:cNvPicPr>
+          <p:nvPr/>
+        </p:nvPicPr>
+        <p:blipFill>
+          <a:blip r:embed="rId8"/>
+          <a:stretch>
+            <a:fillRect/>
+          </a:stretch>
+        </p:blipFill>
+        <p:spPr>
+          <a:xfrm>
+            <a:off x="7220048" y="4663050"/>
+            <a:ext cx="1428949" cy="409632"/>
+          </a:xfrm>
+          <a:prstGeom prst="rect">
+            <a:avLst/>
+          </a:prstGeom>
+        </p:spPr>
+      </p:pic>
+      <p:sp>
+        <p:nvSpPr>
+          <p:cNvPr id="22" name="CuadroTexto 21"/>
+          <p:cNvSpPr txBox="1"/>
+          <p:nvPr/>
+        </p:nvSpPr>
+        <p:spPr>
+          <a:xfrm>
+            <a:off x="6853954" y="5599086"/>
+            <a:ext cx="377026" cy="369332"/>
+          </a:xfrm>
+          <a:prstGeom prst="rect">
+            <a:avLst/>
+          </a:prstGeom>
+          <a:noFill/>
+        </p:spPr>
+        <p:txBody>
+          <a:bodyPr wrap="none" rtlCol="0">
+            <a:spAutoFit/>
+          </a:bodyPr>
+          <a:lstStyle/>
+          <a:p>
+            <a:r>
+              <a:rPr lang="es-ES" dirty="0" smtClean="0"/>
+              <a:t>8.</a:t>
+            </a:r>
+            <a:endParaRPr lang="en-US" dirty="0"/>
+          </a:p>
+        </p:txBody>
+      </p:sp>
+      <p:sp>
+        <p:nvSpPr>
+          <p:cNvPr id="23" name="CuadroTexto 22"/>
+          <p:cNvSpPr txBox="1"/>
+          <p:nvPr/>
+        </p:nvSpPr>
+        <p:spPr>
+          <a:xfrm>
+            <a:off x="7240431" y="5325293"/>
+            <a:ext cx="2499530" cy="307777"/>
+          </a:xfrm>
+          <a:prstGeom prst="rect">
+            <a:avLst/>
+          </a:prstGeom>
+          <a:noFill/>
+          <a:ln>
+            <a:solidFill>
+              <a:schemeClr val="tx1"/>
+            </a:solidFill>
+          </a:ln>
+        </p:spPr>
+        <p:txBody>
+          <a:bodyPr wrap="none" rtlCol="0">
+            <a:spAutoFit/>
+          </a:bodyPr>
+          <a:lstStyle/>
+          <a:p>
+            <a:r>
+              <a:rPr lang="es-ES" sz="1400" dirty="0" smtClean="0"/>
+              <a:t>Copear en app.css lo siguiente</a:t>
+            </a:r>
+            <a:endParaRPr lang="en-US" sz="1400" dirty="0"/>
+          </a:p>
+        </p:txBody>
+      </p:sp>
+      <p:pic>
+        <p:nvPicPr>
+          <p:cNvPr id="24" name="Imagen 23"/>
+          <p:cNvPicPr>
+            <a:picLocks noChangeAspect="1"/>
+          </p:cNvPicPr>
+          <p:nvPr/>
+        </p:nvPicPr>
+        <p:blipFill>
+          <a:blip r:embed="rId9"/>
+          <a:stretch>
+            <a:fillRect/>
+          </a:stretch>
+        </p:blipFill>
+        <p:spPr>
+          <a:xfrm>
+            <a:off x="7240431" y="5633070"/>
+            <a:ext cx="2248214" cy="781159"/>
+          </a:xfrm>
+          <a:prstGeom prst="rect">
+            <a:avLst/>
+          </a:prstGeom>
+        </p:spPr>
+      </p:pic>
+    </p:spTree>
+    <p:extLst>
+      <p:ext uri="{BB962C8B-B14F-4D97-AF65-F5344CB8AC3E}">
+        <p14:creationId xmlns:p14="http://schemas.microsoft.com/office/powerpoint/2010/main" val="3138247937"/>
+      </p:ext>
+    </p:extLst>
+  </p:cSld>
+  <p:clrMapOvr>
+    <a:masterClrMapping/>
+  </p:clrMapOvr>
+  <p:timing>
+    <p:tnLst>
+      <p:par>
+        <p:cTn id="1" dur="indefinite" restart="never" nodeType="tmRoot"/>
+      </p:par>
+    </p:tnLst>
+  </p:timing>
+</p:sld>
+</file>
+
+<file path=ppt/slides/slide17.xml><?xml version="1.0" encoding="utf-8"?>
+<p:sld xmlns:a="http://schemas.openxmlformats.org/drawingml/2006/main" xmlns:r="http://schemas.openxmlformats.org/officeDocument/2006/relationships" xmlns:p="http://schemas.openxmlformats.org/presentationml/2006/main">
+  <p:cSld>
+    <p:spTree>
+      <p:nvGrpSpPr>
+        <p:cNvPr id="1" name=""/>
+        <p:cNvGrpSpPr/>
+        <p:nvPr/>
+      </p:nvGrpSpPr>
+      <p:grpSpPr>
+        <a:xfrm>
+          <a:off x="0" y="0"/>
+          <a:ext cx="0" cy="0"/>
+          <a:chOff x="0" y="0"/>
+          <a:chExt cx="0" cy="0"/>
+        </a:xfrm>
+      </p:grpSpPr>
+      <p:sp>
+        <p:nvSpPr>
+          <p:cNvPr id="5" name="CuadroTexto 4"/>
+          <p:cNvSpPr txBox="1"/>
+          <p:nvPr/>
+        </p:nvSpPr>
+        <p:spPr>
+          <a:xfrm>
+            <a:off x="1401680" y="600298"/>
+            <a:ext cx="2818657" cy="307777"/>
+          </a:xfrm>
+          <a:prstGeom prst="rect">
+            <a:avLst/>
+          </a:prstGeom>
+          <a:noFill/>
+          <a:ln>
+            <a:solidFill>
+              <a:schemeClr val="tx1"/>
+            </a:solidFill>
+          </a:ln>
+        </p:spPr>
+        <p:txBody>
+          <a:bodyPr wrap="none" rtlCol="0">
+            <a:spAutoFit/>
+          </a:bodyPr>
+          <a:lstStyle/>
+          <a:p>
+            <a:r>
+              <a:rPr lang="es-ES" sz="1400" dirty="0" smtClean="0"/>
+              <a:t>En terminal colocamos lo siguiente</a:t>
+            </a:r>
+            <a:endParaRPr lang="en-US" sz="1400" dirty="0"/>
+          </a:p>
+        </p:txBody>
+      </p:sp>
+      <p:sp>
+        <p:nvSpPr>
+          <p:cNvPr id="6" name="CuadroTexto 5"/>
+          <p:cNvSpPr txBox="1"/>
+          <p:nvPr/>
+        </p:nvSpPr>
+        <p:spPr>
+          <a:xfrm>
+            <a:off x="897654" y="808384"/>
+            <a:ext cx="377026" cy="369332"/>
+          </a:xfrm>
+          <a:prstGeom prst="rect">
+            <a:avLst/>
+          </a:prstGeom>
+          <a:noFill/>
+        </p:spPr>
+        <p:txBody>
+          <a:bodyPr wrap="none" rtlCol="0">
+            <a:spAutoFit/>
+          </a:bodyPr>
+          <a:lstStyle/>
+          <a:p>
+            <a:r>
+              <a:rPr lang="es-ES" dirty="0"/>
+              <a:t>9</a:t>
+            </a:r>
+            <a:r>
+              <a:rPr lang="es-ES" dirty="0" smtClean="0"/>
+              <a:t>.</a:t>
+            </a:r>
+            <a:endParaRPr lang="en-US" dirty="0"/>
+          </a:p>
+        </p:txBody>
+      </p:sp>
+      <p:pic>
+        <p:nvPicPr>
+          <p:cNvPr id="2" name="Imagen 1"/>
+          <p:cNvPicPr>
+            <a:picLocks noChangeAspect="1"/>
+          </p:cNvPicPr>
+          <p:nvPr/>
+        </p:nvPicPr>
+        <p:blipFill>
+          <a:blip r:embed="rId2"/>
+          <a:stretch>
+            <a:fillRect/>
+          </a:stretch>
+        </p:blipFill>
+        <p:spPr>
+          <a:xfrm>
+            <a:off x="1401680" y="924403"/>
+            <a:ext cx="3972479" cy="438211"/>
+          </a:xfrm>
+          <a:prstGeom prst="rect">
+            <a:avLst/>
+          </a:prstGeom>
+        </p:spPr>
+      </p:pic>
+      <p:sp>
+        <p:nvSpPr>
+          <p:cNvPr id="7" name="CuadroTexto 6"/>
+          <p:cNvSpPr txBox="1"/>
+          <p:nvPr/>
+        </p:nvSpPr>
+        <p:spPr>
+          <a:xfrm>
+            <a:off x="897654" y="1844637"/>
+            <a:ext cx="377026" cy="369332"/>
+          </a:xfrm>
+          <a:prstGeom prst="rect">
+            <a:avLst/>
+          </a:prstGeom>
+          <a:noFill/>
+        </p:spPr>
+        <p:txBody>
+          <a:bodyPr wrap="none" rtlCol="0">
+            <a:spAutoFit/>
+          </a:bodyPr>
+          <a:lstStyle/>
+          <a:p>
+            <a:r>
+              <a:rPr lang="es-ES" dirty="0"/>
+              <a:t>9</a:t>
+            </a:r>
+            <a:r>
+              <a:rPr lang="es-ES" dirty="0" smtClean="0"/>
+              <a:t>.</a:t>
+            </a:r>
+            <a:endParaRPr lang="en-US" dirty="0"/>
+          </a:p>
+        </p:txBody>
+      </p:sp>
+      <p:sp>
+        <p:nvSpPr>
+          <p:cNvPr id="8" name="CuadroTexto 7"/>
+          <p:cNvSpPr txBox="1"/>
+          <p:nvPr/>
+        </p:nvSpPr>
+        <p:spPr>
+          <a:xfrm>
+            <a:off x="1401679" y="1721526"/>
+            <a:ext cx="3358996" cy="307777"/>
+          </a:xfrm>
+          <a:prstGeom prst="rect">
+            <a:avLst/>
+          </a:prstGeom>
+          <a:noFill/>
+          <a:ln>
+            <a:solidFill>
+              <a:schemeClr val="tx1"/>
+            </a:solidFill>
+          </a:ln>
+        </p:spPr>
+        <p:txBody>
+          <a:bodyPr wrap="none" rtlCol="0">
+            <a:spAutoFit/>
+          </a:bodyPr>
+          <a:lstStyle/>
+          <a:p>
+            <a:r>
+              <a:rPr lang="es-ES" sz="1400" dirty="0" smtClean="0"/>
+              <a:t>Buscamos el archivo (</a:t>
+            </a:r>
+            <a:r>
+              <a:rPr lang="es-ES" sz="1400" dirty="0" err="1" smtClean="0"/>
+              <a:t>welcome.blade.php</a:t>
+            </a:r>
+            <a:r>
+              <a:rPr lang="es-ES" sz="1400" dirty="0" smtClean="0"/>
+              <a:t>)</a:t>
+            </a:r>
+            <a:endParaRPr lang="en-US" sz="1400" dirty="0"/>
+          </a:p>
+        </p:txBody>
+      </p:sp>
+      <p:pic>
+        <p:nvPicPr>
+          <p:cNvPr id="9" name="Imagen 8"/>
+          <p:cNvPicPr>
+            <a:picLocks noChangeAspect="1"/>
+          </p:cNvPicPr>
+          <p:nvPr/>
+        </p:nvPicPr>
+        <p:blipFill>
+          <a:blip r:embed="rId3"/>
+          <a:stretch>
+            <a:fillRect/>
+          </a:stretch>
+        </p:blipFill>
+        <p:spPr>
+          <a:xfrm>
+            <a:off x="1401679" y="2033170"/>
+            <a:ext cx="1524213" cy="285790"/>
+          </a:xfrm>
+          <a:prstGeom prst="rect">
+            <a:avLst/>
+          </a:prstGeom>
+        </p:spPr>
+      </p:pic>
+      <p:sp>
+        <p:nvSpPr>
+          <p:cNvPr id="10" name="CuadroTexto 9"/>
+          <p:cNvSpPr txBox="1"/>
+          <p:nvPr/>
+        </p:nvSpPr>
+        <p:spPr>
+          <a:xfrm>
+            <a:off x="1392916" y="2688865"/>
+            <a:ext cx="3052567" cy="307777"/>
+          </a:xfrm>
+          <a:prstGeom prst="rect">
+            <a:avLst/>
+          </a:prstGeom>
+          <a:noFill/>
+          <a:ln>
+            <a:solidFill>
+              <a:schemeClr val="tx1"/>
+            </a:solidFill>
+          </a:ln>
+        </p:spPr>
+        <p:txBody>
+          <a:bodyPr wrap="none" rtlCol="0">
+            <a:spAutoFit/>
+          </a:bodyPr>
+          <a:lstStyle/>
+          <a:p>
+            <a:r>
+              <a:rPr lang="es-ES" sz="1400" dirty="0" smtClean="0"/>
+              <a:t>Colocamos debajo de </a:t>
+            </a:r>
+            <a:r>
+              <a:rPr lang="es-ES" sz="1400" dirty="0" err="1" smtClean="0"/>
+              <a:t>title</a:t>
+            </a:r>
+            <a:r>
+              <a:rPr lang="es-ES" sz="1400" dirty="0" smtClean="0"/>
+              <a:t> lo siguiente</a:t>
+            </a:r>
+            <a:endParaRPr lang="en-US" sz="1400" dirty="0"/>
+          </a:p>
+        </p:txBody>
+      </p:sp>
+    </p:spTree>
+    <p:extLst>
+      <p:ext uri="{BB962C8B-B14F-4D97-AF65-F5344CB8AC3E}">
+        <p14:creationId xmlns:p14="http://schemas.microsoft.com/office/powerpoint/2010/main" val="2583926265"/>
+      </p:ext>
+    </p:extLst>
+  </p:cSld>
+  <p:clrMapOvr>
+    <a:masterClrMapping/>
+  </p:clrMapOvr>
+  <p:timing>
+    <p:tnLst>
+      <p:par>
+        <p:cTn id="1" dur="indefinite" restart="never" nodeType="tmRoot"/>
+      </p:par>
+    </p:tnLst>
+  </p:timing>
+</p:sld>
+</file>
+
+<file path=ppt/slides/slide18.xml><?xml version="1.0" encoding="utf-8"?>
+<p:sld xmlns:a="http://schemas.openxmlformats.org/drawingml/2006/main" xmlns:r="http://schemas.openxmlformats.org/officeDocument/2006/relationships" xmlns:p="http://schemas.openxmlformats.org/presentationml/2006/main">
+  <p:cSld>
+    <p:spTree>
+      <p:nvGrpSpPr>
+        <p:cNvPr id="1" name=""/>
+        <p:cNvGrpSpPr/>
+        <p:nvPr/>
+      </p:nvGrpSpPr>
+      <p:grpSpPr>
+        <a:xfrm>
+          <a:off x="0" y="0"/>
+          <a:ext cx="0" cy="0"/>
+          <a:chOff x="0" y="0"/>
+          <a:chExt cx="0" cy="0"/>
+        </a:xfrm>
+      </p:grpSpPr>
+      <p:sp>
+        <p:nvSpPr>
+          <p:cNvPr id="3" name="Marcador de contenido 2"/>
+          <p:cNvSpPr>
+            <a:spLocks noGrp="1"/>
+          </p:cNvSpPr>
+          <p:nvPr>
+            <p:ph idx="1"/>
+          </p:nvPr>
+        </p:nvSpPr>
+        <p:spPr/>
+        <p:txBody>
+          <a:bodyPr/>
+          <a:lstStyle/>
+          <a:p>
+            <a:endParaRPr lang="en-US" dirty="0"/>
+          </a:p>
+        </p:txBody>
+      </p:sp>
+      <p:sp>
+        <p:nvSpPr>
+          <p:cNvPr id="4" name="Rectángulo 3"/>
+          <p:cNvSpPr/>
+          <p:nvPr/>
+        </p:nvSpPr>
+        <p:spPr>
+          <a:xfrm>
+            <a:off x="689318" y="0"/>
+            <a:ext cx="11502682" cy="1216855"/>
+          </a:xfrm>
+          <a:prstGeom prst="rect">
+            <a:avLst/>
+          </a:prstGeom>
+          <a:solidFill>
+            <a:srgbClr val="191B0E"/>
+          </a:solidFill>
+          <a:ln>
+            <a:noFill/>
+          </a:ln>
+        </p:spPr>
+        <p:style>
+          <a:lnRef idx="2">
+            <a:schemeClr val="accent1">
+              <a:shade val="50000"/>
+            </a:schemeClr>
+          </a:lnRef>
+          <a:fillRef idx="1">
+            <a:schemeClr val="accent1"/>
+          </a:fillRef>
+          <a:effectRef idx="0">
+            <a:schemeClr val="accent1"/>
+          </a:effectRef>
+          <a:fontRef idx="minor">
+            <a:schemeClr val="lt1"/>
+          </a:fontRef>
+        </p:style>
+        <p:txBody>
+          <a:bodyPr rtlCol="0" anchor="ctr"/>
+          <a:lstStyle/>
+          <a:p>
+            <a:pPr algn="ctr"/>
+            <a:endParaRPr lang="en-US" sz="3200" b="1" dirty="0"/>
+          </a:p>
+        </p:txBody>
+      </p:sp>
+    </p:spTree>
+    <p:extLst>
+      <p:ext uri="{BB962C8B-B14F-4D97-AF65-F5344CB8AC3E}">
+        <p14:creationId xmlns:p14="http://schemas.microsoft.com/office/powerpoint/2010/main" val="3661366201"/>
+      </p:ext>
+    </p:extLst>
+  </p:cSld>
+  <p:clrMapOvr>
+    <a:masterClrMapping/>
+  </p:clrMapOvr>
+  <p:timing>
+    <p:tnLst>
+      <p:par>
+        <p:cTn id="1" dur="indefinite" restart="never" nodeType="tmRoot"/>
+      </p:par>
+    </p:tnLst>
+  </p:timing>
+</p:sld>
+</file>
+
+<file path=ppt/slides/slide19.xml><?xml version="1.0" encoding="utf-8"?>
+<p:sld xmlns:a="http://schemas.openxmlformats.org/drawingml/2006/main" xmlns:r="http://schemas.openxmlformats.org/officeDocument/2006/relationships" xmlns:p="http://schemas.openxmlformats.org/presentationml/2006/main">
+  <p:cSld>
+    <p:spTree>
+      <p:nvGrpSpPr>
+        <p:cNvPr id="1" name=""/>
+        <p:cNvGrpSpPr/>
+        <p:nvPr/>
+      </p:nvGrpSpPr>
+      <p:grpSpPr>
+        <a:xfrm>
+          <a:off x="0" y="0"/>
+          <a:ext cx="0" cy="0"/>
+          <a:chOff x="0" y="0"/>
+          <a:chExt cx="0" cy="0"/>
+        </a:xfrm>
+      </p:grpSpPr>
+      <p:sp>
+        <p:nvSpPr>
+          <p:cNvPr id="3" name="Marcador de contenido 2"/>
+          <p:cNvSpPr>
+            <a:spLocks noGrp="1"/>
+          </p:cNvSpPr>
+          <p:nvPr>
+            <p:ph idx="1"/>
+          </p:nvPr>
+        </p:nvSpPr>
+        <p:spPr/>
+        <p:txBody>
+          <a:bodyPr/>
+          <a:lstStyle/>
+          <a:p>
+            <a:endParaRPr lang="en-US" dirty="0"/>
+          </a:p>
+        </p:txBody>
+      </p:sp>
+      <p:sp>
+        <p:nvSpPr>
+          <p:cNvPr id="4" name="Rectángulo 3"/>
+          <p:cNvSpPr/>
+          <p:nvPr/>
+        </p:nvSpPr>
+        <p:spPr>
+          <a:xfrm>
+            <a:off x="689318" y="0"/>
+            <a:ext cx="11502682" cy="1216855"/>
+          </a:xfrm>
+          <a:prstGeom prst="rect">
+            <a:avLst/>
+          </a:prstGeom>
+          <a:solidFill>
+            <a:srgbClr val="191B0E"/>
+          </a:solidFill>
+          <a:ln>
+            <a:noFill/>
+          </a:ln>
+        </p:spPr>
+        <p:style>
+          <a:lnRef idx="2">
+            <a:schemeClr val="accent1">
+              <a:shade val="50000"/>
+            </a:schemeClr>
+          </a:lnRef>
+          <a:fillRef idx="1">
+            <a:schemeClr val="accent1"/>
+          </a:fillRef>
+          <a:effectRef idx="0">
+            <a:schemeClr val="accent1"/>
+          </a:effectRef>
+          <a:fontRef idx="minor">
+            <a:schemeClr val="lt1"/>
+          </a:fontRef>
+        </p:style>
+        <p:txBody>
+          <a:bodyPr rtlCol="0" anchor="ctr"/>
+          <a:lstStyle/>
+          <a:p>
+            <a:pPr algn="ctr"/>
+            <a:endParaRPr lang="en-US" sz="3200" b="1" dirty="0"/>
+          </a:p>
+        </p:txBody>
+      </p:sp>
+    </p:spTree>
+    <p:extLst>
+      <p:ext uri="{BB962C8B-B14F-4D97-AF65-F5344CB8AC3E}">
+        <p14:creationId xmlns:p14="http://schemas.microsoft.com/office/powerpoint/2010/main" val="2654109488"/>
       </p:ext>
     </p:extLst>
   </p:cSld>
@@ -4487,16 +7430,24 @@
           <a:p>
             <a:pPr algn="ctr"/>
             <a:r>
+              <a:rPr lang="es-BO" sz="3200" b="1" i="1" dirty="0" smtClean="0"/>
+              <a:t>EN CASO DE TENER PROBLEMAS EN LA INSTALACION DE XAMMP </a:t>
+            </a:r>
+            <a:r>
               <a:rPr lang="es-BO" sz="3200" b="1" dirty="0" smtClean="0"/>
-              <a:t>DESCARGAR PHP</a:t>
-            </a:r>
-            <a:endParaRPr lang="en-US" sz="3200" b="1" dirty="0"/>
+              <a:t>POR</a:t>
+            </a:r>
+            <a:r>
+              <a:rPr lang="es-BO" sz="3200" b="1" i="1" dirty="0" smtClean="0"/>
+              <a:t> ERROR UAC</a:t>
+            </a:r>
+            <a:endParaRPr lang="en-US" sz="3200" b="1" i="1" dirty="0"/>
           </a:p>
         </p:txBody>
       </p:sp>
       <p:pic>
         <p:nvPicPr>
-          <p:cNvPr id="5" name="Imagen 4"/>
+          <p:cNvPr id="2" name="Imagen 1"/>
           <p:cNvPicPr>
             <a:picLocks noChangeAspect="1"/>
           </p:cNvPicPr>
@@ -4510,8 +7461,32 @@
         </p:blipFill>
         <p:spPr>
           <a:xfrm>
-            <a:off x="1115582" y="1298588"/>
-            <a:ext cx="1267002" cy="371527"/>
+            <a:off x="1319261" y="1396307"/>
+            <a:ext cx="3801005" cy="1638529"/>
+          </a:xfrm>
+          <a:prstGeom prst="rect">
+            <a:avLst/>
+          </a:prstGeom>
+        </p:spPr>
+      </p:pic>
+      <p:pic>
+        <p:nvPicPr>
+          <p:cNvPr id="5" name="Imagen 4"/>
+          <p:cNvPicPr>
+            <a:picLocks noChangeAspect="1"/>
+          </p:cNvPicPr>
+          <p:nvPr/>
+        </p:nvPicPr>
+        <p:blipFill>
+          <a:blip r:embed="rId3"/>
+          <a:stretch>
+            <a:fillRect/>
+          </a:stretch>
+        </p:blipFill>
+        <p:spPr>
+          <a:xfrm>
+            <a:off x="1319261" y="3038003"/>
+            <a:ext cx="3335555" cy="1730164"/>
           </a:xfrm>
           <a:prstGeom prst="rect">
             <a:avLst/>
@@ -4527,15 +7502,15 @@
           <p:nvPr/>
         </p:nvPicPr>
         <p:blipFill>
-          <a:blip r:embed="rId3"/>
+          <a:blip r:embed="rId4"/>
           <a:stretch>
             <a:fillRect/>
           </a:stretch>
         </p:blipFill>
         <p:spPr>
           <a:xfrm>
-            <a:off x="1115579" y="2039114"/>
-            <a:ext cx="4191585" cy="1257475"/>
+            <a:off x="1319261" y="5114239"/>
+            <a:ext cx="1531394" cy="597244"/>
           </a:xfrm>
           <a:prstGeom prst="rect">
             <a:avLst/>
@@ -4550,15 +7525,16 @@
           </p:cNvPicPr>
           <p:nvPr/>
         </p:nvPicPr>
-        <p:blipFill rotWithShape="1">
-          <a:blip r:embed="rId4"/>
-          <a:srcRect r="35904"/>
-          <a:stretch/>
+        <p:blipFill>
+          <a:blip r:embed="rId5"/>
+          <a:stretch>
+            <a:fillRect/>
+          </a:stretch>
         </p:blipFill>
         <p:spPr>
           <a:xfrm>
-            <a:off x="1115580" y="3665589"/>
-            <a:ext cx="4191585" cy="1794324"/>
+            <a:off x="1319261" y="6068325"/>
+            <a:ext cx="4307815" cy="335204"/>
           </a:xfrm>
           <a:prstGeom prst="rect">
             <a:avLst/>
@@ -4574,30 +7550,6 @@
           <p:nvPr/>
         </p:nvPicPr>
         <p:blipFill>
-          <a:blip r:embed="rId5"/>
-          <a:stretch>
-            <a:fillRect/>
-          </a:stretch>
-        </p:blipFill>
-        <p:spPr>
-          <a:xfrm>
-            <a:off x="1115581" y="5878041"/>
-            <a:ext cx="1781424" cy="342948"/>
-          </a:xfrm>
-          <a:prstGeom prst="rect">
-            <a:avLst/>
-          </a:prstGeom>
-        </p:spPr>
-      </p:pic>
-      <p:pic>
-        <p:nvPicPr>
-          <p:cNvPr id="10" name="Imagen 9"/>
-          <p:cNvPicPr>
-            <a:picLocks noChangeAspect="1"/>
-          </p:cNvPicPr>
-          <p:nvPr/>
-        </p:nvPicPr>
-        <p:blipFill>
           <a:blip r:embed="rId6"/>
           <a:stretch>
             <a:fillRect/>
@@ -4605,47 +7557,23 @@
         </p:blipFill>
         <p:spPr>
           <a:xfrm>
-            <a:off x="6049982" y="1670115"/>
-            <a:ext cx="5325218" cy="2181529"/>
+            <a:off x="6629641" y="2110321"/>
+            <a:ext cx="4953691" cy="2657846"/>
           </a:xfrm>
           <a:prstGeom prst="rect">
             <a:avLst/>
           </a:prstGeom>
         </p:spPr>
       </p:pic>
-      <p:pic>
-        <p:nvPicPr>
-          <p:cNvPr id="11" name="Imagen 10"/>
-          <p:cNvPicPr>
-            <a:picLocks noChangeAspect="1"/>
-          </p:cNvPicPr>
-          <p:nvPr/>
-        </p:nvPicPr>
-        <p:blipFill>
-          <a:blip r:embed="rId7"/>
-          <a:stretch>
-            <a:fillRect/>
-          </a:stretch>
-        </p:blipFill>
-        <p:spPr>
-          <a:xfrm>
-            <a:off x="6197640" y="4846066"/>
-            <a:ext cx="5029902" cy="485843"/>
-          </a:xfrm>
-          <a:prstGeom prst="rect">
-            <a:avLst/>
-          </a:prstGeom>
-        </p:spPr>
-      </p:pic>
-      <p:sp>
-        <p:nvSpPr>
-          <p:cNvPr id="12" name="CuadroTexto 11"/>
+      <p:sp>
+        <p:nvSpPr>
+          <p:cNvPr id="9" name="CuadroTexto 8"/>
           <p:cNvSpPr txBox="1"/>
           <p:nvPr/>
         </p:nvSpPr>
         <p:spPr>
           <a:xfrm>
-            <a:off x="730837" y="1300783"/>
+            <a:off x="794438" y="2030905"/>
             <a:ext cx="375424" cy="369332"/>
           </a:xfrm>
           <a:prstGeom prst="rect">
@@ -4669,13 +7597,13 @@
       </p:sp>
       <p:sp>
         <p:nvSpPr>
-          <p:cNvPr id="13" name="CuadroTexto 12"/>
+          <p:cNvPr id="10" name="CuadroTexto 9"/>
           <p:cNvSpPr txBox="1"/>
           <p:nvPr/>
         </p:nvSpPr>
         <p:spPr>
           <a:xfrm>
-            <a:off x="730837" y="2391547"/>
+            <a:off x="794438" y="3848600"/>
             <a:ext cx="377026" cy="369332"/>
           </a:xfrm>
           <a:prstGeom prst="rect">
@@ -4690,8 +7618,12 @@
           <a:lstStyle/>
           <a:p>
             <a:r>
+              <a:rPr lang="es-BO" dirty="0"/>
+              <a:t>2</a:t>
+            </a:r>
+            <a:r>
               <a:rPr lang="es-BO" dirty="0" smtClean="0"/>
-              <a:t>2.</a:t>
+              <a:t>.</a:t>
             </a:r>
             <a:endParaRPr lang="en-US" dirty="0"/>
           </a:p>
@@ -4699,13 +7631,13 @@
       </p:sp>
       <p:sp>
         <p:nvSpPr>
-          <p:cNvPr id="14" name="CuadroTexto 13"/>
+          <p:cNvPr id="11" name="CuadroTexto 10"/>
           <p:cNvSpPr txBox="1"/>
           <p:nvPr/>
         </p:nvSpPr>
         <p:spPr>
           <a:xfrm>
-            <a:off x="730837" y="4193419"/>
+            <a:off x="794438" y="5228195"/>
             <a:ext cx="377026" cy="369332"/>
           </a:xfrm>
           <a:prstGeom prst="rect">
@@ -4720,8 +7652,12 @@
           <a:lstStyle/>
           <a:p>
             <a:r>
+              <a:rPr lang="es-BO" dirty="0"/>
+              <a:t>3</a:t>
+            </a:r>
+            <a:r>
               <a:rPr lang="es-BO" dirty="0" smtClean="0"/>
-              <a:t>3.</a:t>
+              <a:t>.</a:t>
             </a:r>
             <a:endParaRPr lang="en-US" dirty="0"/>
           </a:p>
@@ -4729,13 +7665,13 @@
       </p:sp>
       <p:sp>
         <p:nvSpPr>
-          <p:cNvPr id="15" name="CuadroTexto 14"/>
+          <p:cNvPr id="12" name="CuadroTexto 11"/>
           <p:cNvSpPr txBox="1"/>
           <p:nvPr/>
         </p:nvSpPr>
         <p:spPr>
           <a:xfrm>
-            <a:off x="730837" y="5864849"/>
+            <a:off x="794438" y="6067081"/>
             <a:ext cx="377026" cy="369332"/>
           </a:xfrm>
           <a:prstGeom prst="rect">
@@ -4750,8 +7686,12 @@
           <a:lstStyle/>
           <a:p>
             <a:r>
+              <a:rPr lang="es-BO" dirty="0"/>
+              <a:t>4</a:t>
+            </a:r>
+            <a:r>
               <a:rPr lang="es-BO" dirty="0" smtClean="0"/>
-              <a:t>4.</a:t>
+              <a:t>.</a:t>
             </a:r>
             <a:endParaRPr lang="en-US" dirty="0"/>
           </a:p>
@@ -4759,13 +7699,13 @@
       </p:sp>
       <p:sp>
         <p:nvSpPr>
-          <p:cNvPr id="16" name="CuadroTexto 15"/>
+          <p:cNvPr id="13" name="CuadroTexto 12"/>
           <p:cNvSpPr txBox="1"/>
           <p:nvPr/>
         </p:nvSpPr>
         <p:spPr>
           <a:xfrm>
-            <a:off x="5861468" y="2576213"/>
+            <a:off x="6164191" y="3254578"/>
             <a:ext cx="377026" cy="369332"/>
           </a:xfrm>
           <a:prstGeom prst="rect">
@@ -4780,38 +7720,12 @@
           <a:lstStyle/>
           <a:p>
             <a:r>
+              <a:rPr lang="es-BO" dirty="0"/>
+              <a:t>5</a:t>
+            </a:r>
+            <a:r>
               <a:rPr lang="es-BO" dirty="0" smtClean="0"/>
-              <a:t>5.</a:t>
-            </a:r>
-            <a:endParaRPr lang="en-US" dirty="0"/>
-          </a:p>
-        </p:txBody>
-      </p:sp>
-      <p:sp>
-        <p:nvSpPr>
-          <p:cNvPr id="17" name="CuadroTexto 16"/>
-          <p:cNvSpPr txBox="1"/>
-          <p:nvPr/>
-        </p:nvSpPr>
-        <p:spPr>
-          <a:xfrm>
-            <a:off x="5820614" y="4944992"/>
-            <a:ext cx="377026" cy="369332"/>
-          </a:xfrm>
-          <a:prstGeom prst="rect">
-            <a:avLst/>
-          </a:prstGeom>
-          <a:noFill/>
-        </p:spPr>
-        <p:txBody>
-          <a:bodyPr wrap="none" rtlCol="0">
-            <a:spAutoFit/>
-          </a:bodyPr>
-          <a:lstStyle/>
-          <a:p>
-            <a:r>
-              <a:rPr lang="es-BO" dirty="0" smtClean="0"/>
-              <a:t>6.</a:t>
+              <a:t>.</a:t>
             </a:r>
             <a:endParaRPr lang="en-US" dirty="0"/>
           </a:p>
@@ -4820,7 +7734,7 @@
     </p:spTree>
     <p:extLst>
       <p:ext uri="{BB962C8B-B14F-4D97-AF65-F5344CB8AC3E}">
-        <p14:creationId xmlns:p14="http://schemas.microsoft.com/office/powerpoint/2010/main" val="2708973370"/>
+        <p14:creationId xmlns:p14="http://schemas.microsoft.com/office/powerpoint/2010/main" val="3146274510"/>
       </p:ext>
     </p:extLst>
   </p:cSld>
@@ -4856,80 +7770,6 @@
       </p:grpSpPr>
       <p:sp>
         <p:nvSpPr>
-          <p:cNvPr id="3" name="Marcador de contenido 2"/>
-          <p:cNvSpPr>
-            <a:spLocks noGrp="1"/>
-          </p:cNvSpPr>
-          <p:nvPr>
-            <p:ph idx="1"/>
-          </p:nvPr>
-        </p:nvSpPr>
-        <p:spPr>
-          <a:xfrm>
-            <a:off x="1371600" y="2285999"/>
-            <a:ext cx="9601200" cy="4353951"/>
-          </a:xfrm>
-        </p:spPr>
-        <p:txBody>
-          <a:bodyPr/>
-          <a:lstStyle/>
-          <a:p>
-            <a:r>
-              <a:rPr lang="es-BO" dirty="0" smtClean="0"/>
-              <a:t>Descomprimir el contenido .ZIP descargado</a:t>
-            </a:r>
-          </a:p>
-          <a:p>
-            <a:r>
-              <a:rPr lang="es-BO" dirty="0" smtClean="0"/>
-              <a:t>Crear una carpeta con nombre (PHP) en el disco local :C </a:t>
-            </a:r>
-          </a:p>
-          <a:p>
-            <a:r>
-              <a:rPr lang="es-BO" dirty="0" smtClean="0"/>
-              <a:t>Copear todo el contenido de la carpeta descomprimida a la carpeta creada con nombre (PHP) en el disco local :C</a:t>
-            </a:r>
-          </a:p>
-          <a:p>
-            <a:r>
-              <a:rPr lang="es-BO" dirty="0" smtClean="0"/>
-              <a:t>Luego para configurar ir al buscador del sistema y buscar (editar las variables de entorno del sistema), ir a la opción de (Variables de entorno…)</a:t>
-            </a:r>
-          </a:p>
-          <a:p>
-            <a:r>
-              <a:rPr lang="es-BO" dirty="0" smtClean="0"/>
-              <a:t>Buscar la Variable (</a:t>
-            </a:r>
-            <a:r>
-              <a:rPr lang="es-BO" dirty="0" err="1" smtClean="0"/>
-              <a:t>Path</a:t>
-            </a:r>
-            <a:r>
-              <a:rPr lang="es-BO" dirty="0" smtClean="0"/>
-              <a:t>) y presionar en editar, dentro del apartado presionar en nuevo y colocar la dirección donde se encuentra la carpeta PHP (C:\PHP) luego coloca ok y ok</a:t>
-            </a:r>
-          </a:p>
-          <a:p>
-            <a:r>
-              <a:rPr lang="es-BO" dirty="0" smtClean="0"/>
-              <a:t>Para verificar que PHP ya esta instalada, ir a la terminal y colocar (</a:t>
-            </a:r>
-            <a:r>
-              <a:rPr lang="es-BO" dirty="0" err="1" smtClean="0"/>
-              <a:t>php</a:t>
-            </a:r>
-            <a:r>
-              <a:rPr lang="es-BO" dirty="0" smtClean="0"/>
-              <a:t> –v) con esto sabremos la versión y si se instalo correctamente.</a:t>
-            </a:r>
-            <a:endParaRPr lang="en-US" dirty="0"/>
-          </a:p>
-        </p:txBody>
-      </p:sp>
-      <p:sp>
-        <p:nvSpPr>
           <p:cNvPr id="4" name="Rectángulo 3"/>
           <p:cNvSpPr/>
           <p:nvPr/>
@@ -4972,16 +7812,339 @@
             <a:pPr algn="ctr"/>
             <a:r>
               <a:rPr lang="es-BO" sz="3200" b="1" dirty="0" smtClean="0"/>
-              <a:t>PROCEDIMIENTO DE INSTALAR PHP</a:t>
+              <a:t>DESCARGAR PHP</a:t>
             </a:r>
             <a:endParaRPr lang="en-US" sz="3200" b="1" dirty="0"/>
+          </a:p>
+        </p:txBody>
+      </p:sp>
+      <p:pic>
+        <p:nvPicPr>
+          <p:cNvPr id="5" name="Imagen 4"/>
+          <p:cNvPicPr>
+            <a:picLocks noChangeAspect="1"/>
+          </p:cNvPicPr>
+          <p:nvPr/>
+        </p:nvPicPr>
+        <p:blipFill>
+          <a:blip r:embed="rId2"/>
+          <a:stretch>
+            <a:fillRect/>
+          </a:stretch>
+        </p:blipFill>
+        <p:spPr>
+          <a:xfrm>
+            <a:off x="1115582" y="1298588"/>
+            <a:ext cx="1267002" cy="371527"/>
+          </a:xfrm>
+          <a:prstGeom prst="rect">
+            <a:avLst/>
+          </a:prstGeom>
+        </p:spPr>
+      </p:pic>
+      <p:pic>
+        <p:nvPicPr>
+          <p:cNvPr id="6" name="Imagen 5"/>
+          <p:cNvPicPr>
+            <a:picLocks noChangeAspect="1"/>
+          </p:cNvPicPr>
+          <p:nvPr/>
+        </p:nvPicPr>
+        <p:blipFill>
+          <a:blip r:embed="rId3"/>
+          <a:stretch>
+            <a:fillRect/>
+          </a:stretch>
+        </p:blipFill>
+        <p:spPr>
+          <a:xfrm>
+            <a:off x="1115579" y="2039114"/>
+            <a:ext cx="4191585" cy="1257475"/>
+          </a:xfrm>
+          <a:prstGeom prst="rect">
+            <a:avLst/>
+          </a:prstGeom>
+        </p:spPr>
+      </p:pic>
+      <p:pic>
+        <p:nvPicPr>
+          <p:cNvPr id="7" name="Imagen 6"/>
+          <p:cNvPicPr>
+            <a:picLocks noChangeAspect="1"/>
+          </p:cNvPicPr>
+          <p:nvPr/>
+        </p:nvPicPr>
+        <p:blipFill rotWithShape="1">
+          <a:blip r:embed="rId4"/>
+          <a:srcRect r="35904"/>
+          <a:stretch/>
+        </p:blipFill>
+        <p:spPr>
+          <a:xfrm>
+            <a:off x="1115580" y="3665589"/>
+            <a:ext cx="4191585" cy="1794324"/>
+          </a:xfrm>
+          <a:prstGeom prst="rect">
+            <a:avLst/>
+          </a:prstGeom>
+        </p:spPr>
+      </p:pic>
+      <p:pic>
+        <p:nvPicPr>
+          <p:cNvPr id="8" name="Imagen 7"/>
+          <p:cNvPicPr>
+            <a:picLocks noChangeAspect="1"/>
+          </p:cNvPicPr>
+          <p:nvPr/>
+        </p:nvPicPr>
+        <p:blipFill>
+          <a:blip r:embed="rId5"/>
+          <a:stretch>
+            <a:fillRect/>
+          </a:stretch>
+        </p:blipFill>
+        <p:spPr>
+          <a:xfrm>
+            <a:off x="1115581" y="5878041"/>
+            <a:ext cx="1781424" cy="342948"/>
+          </a:xfrm>
+          <a:prstGeom prst="rect">
+            <a:avLst/>
+          </a:prstGeom>
+        </p:spPr>
+      </p:pic>
+      <p:pic>
+        <p:nvPicPr>
+          <p:cNvPr id="10" name="Imagen 9"/>
+          <p:cNvPicPr>
+            <a:picLocks noChangeAspect="1"/>
+          </p:cNvPicPr>
+          <p:nvPr/>
+        </p:nvPicPr>
+        <p:blipFill>
+          <a:blip r:embed="rId6"/>
+          <a:stretch>
+            <a:fillRect/>
+          </a:stretch>
+        </p:blipFill>
+        <p:spPr>
+          <a:xfrm>
+            <a:off x="6049982" y="1670115"/>
+            <a:ext cx="5325218" cy="2181529"/>
+          </a:xfrm>
+          <a:prstGeom prst="rect">
+            <a:avLst/>
+          </a:prstGeom>
+        </p:spPr>
+      </p:pic>
+      <p:pic>
+        <p:nvPicPr>
+          <p:cNvPr id="11" name="Imagen 10"/>
+          <p:cNvPicPr>
+            <a:picLocks noChangeAspect="1"/>
+          </p:cNvPicPr>
+          <p:nvPr/>
+        </p:nvPicPr>
+        <p:blipFill>
+          <a:blip r:embed="rId7"/>
+          <a:stretch>
+            <a:fillRect/>
+          </a:stretch>
+        </p:blipFill>
+        <p:spPr>
+          <a:xfrm>
+            <a:off x="6197640" y="4846066"/>
+            <a:ext cx="5029902" cy="485843"/>
+          </a:xfrm>
+          <a:prstGeom prst="rect">
+            <a:avLst/>
+          </a:prstGeom>
+        </p:spPr>
+      </p:pic>
+      <p:sp>
+        <p:nvSpPr>
+          <p:cNvPr id="12" name="CuadroTexto 11"/>
+          <p:cNvSpPr txBox="1"/>
+          <p:nvPr/>
+        </p:nvSpPr>
+        <p:spPr>
+          <a:xfrm>
+            <a:off x="730837" y="1300783"/>
+            <a:ext cx="375424" cy="369332"/>
+          </a:xfrm>
+          <a:prstGeom prst="rect">
+            <a:avLst/>
+          </a:prstGeom>
+          <a:noFill/>
+        </p:spPr>
+        <p:txBody>
+          <a:bodyPr wrap="none" rtlCol="0">
+            <a:spAutoFit/>
+          </a:bodyPr>
+          <a:lstStyle/>
+          <a:p>
+            <a:r>
+              <a:rPr lang="es-BO" dirty="0" smtClean="0"/>
+              <a:t>1.</a:t>
+            </a:r>
+            <a:endParaRPr lang="en-US" dirty="0"/>
+          </a:p>
+        </p:txBody>
+      </p:sp>
+      <p:sp>
+        <p:nvSpPr>
+          <p:cNvPr id="13" name="CuadroTexto 12"/>
+          <p:cNvSpPr txBox="1"/>
+          <p:nvPr/>
+        </p:nvSpPr>
+        <p:spPr>
+          <a:xfrm>
+            <a:off x="730837" y="2391547"/>
+            <a:ext cx="377026" cy="369332"/>
+          </a:xfrm>
+          <a:prstGeom prst="rect">
+            <a:avLst/>
+          </a:prstGeom>
+          <a:noFill/>
+        </p:spPr>
+        <p:txBody>
+          <a:bodyPr wrap="none" rtlCol="0">
+            <a:spAutoFit/>
+          </a:bodyPr>
+          <a:lstStyle/>
+          <a:p>
+            <a:r>
+              <a:rPr lang="es-BO" dirty="0" smtClean="0"/>
+              <a:t>2.</a:t>
+            </a:r>
+            <a:endParaRPr lang="en-US" dirty="0"/>
+          </a:p>
+        </p:txBody>
+      </p:sp>
+      <p:sp>
+        <p:nvSpPr>
+          <p:cNvPr id="14" name="CuadroTexto 13"/>
+          <p:cNvSpPr txBox="1"/>
+          <p:nvPr/>
+        </p:nvSpPr>
+        <p:spPr>
+          <a:xfrm>
+            <a:off x="730837" y="4193419"/>
+            <a:ext cx="377026" cy="369332"/>
+          </a:xfrm>
+          <a:prstGeom prst="rect">
+            <a:avLst/>
+          </a:prstGeom>
+          <a:noFill/>
+        </p:spPr>
+        <p:txBody>
+          <a:bodyPr wrap="none" rtlCol="0">
+            <a:spAutoFit/>
+          </a:bodyPr>
+          <a:lstStyle/>
+          <a:p>
+            <a:r>
+              <a:rPr lang="es-BO" dirty="0" smtClean="0"/>
+              <a:t>3.</a:t>
+            </a:r>
+            <a:endParaRPr lang="en-US" dirty="0"/>
+          </a:p>
+        </p:txBody>
+      </p:sp>
+      <p:sp>
+        <p:nvSpPr>
+          <p:cNvPr id="15" name="CuadroTexto 14"/>
+          <p:cNvSpPr txBox="1"/>
+          <p:nvPr/>
+        </p:nvSpPr>
+        <p:spPr>
+          <a:xfrm>
+            <a:off x="730837" y="5864849"/>
+            <a:ext cx="377026" cy="369332"/>
+          </a:xfrm>
+          <a:prstGeom prst="rect">
+            <a:avLst/>
+          </a:prstGeom>
+          <a:noFill/>
+        </p:spPr>
+        <p:txBody>
+          <a:bodyPr wrap="none" rtlCol="0">
+            <a:spAutoFit/>
+          </a:bodyPr>
+          <a:lstStyle/>
+          <a:p>
+            <a:r>
+              <a:rPr lang="es-BO" dirty="0" smtClean="0"/>
+              <a:t>4.</a:t>
+            </a:r>
+            <a:endParaRPr lang="en-US" dirty="0"/>
+          </a:p>
+        </p:txBody>
+      </p:sp>
+      <p:sp>
+        <p:nvSpPr>
+          <p:cNvPr id="16" name="CuadroTexto 15"/>
+          <p:cNvSpPr txBox="1"/>
+          <p:nvPr/>
+        </p:nvSpPr>
+        <p:spPr>
+          <a:xfrm>
+            <a:off x="5861468" y="2576213"/>
+            <a:ext cx="377026" cy="369332"/>
+          </a:xfrm>
+          <a:prstGeom prst="rect">
+            <a:avLst/>
+          </a:prstGeom>
+          <a:noFill/>
+        </p:spPr>
+        <p:txBody>
+          <a:bodyPr wrap="none" rtlCol="0">
+            <a:spAutoFit/>
+          </a:bodyPr>
+          <a:lstStyle/>
+          <a:p>
+            <a:r>
+              <a:rPr lang="es-BO" dirty="0" smtClean="0"/>
+              <a:t>5.</a:t>
+            </a:r>
+            <a:endParaRPr lang="en-US" dirty="0"/>
+          </a:p>
+        </p:txBody>
+      </p:sp>
+      <p:sp>
+        <p:nvSpPr>
+          <p:cNvPr id="17" name="CuadroTexto 16"/>
+          <p:cNvSpPr txBox="1"/>
+          <p:nvPr/>
+        </p:nvSpPr>
+        <p:spPr>
+          <a:xfrm>
+            <a:off x="5820614" y="4944992"/>
+            <a:ext cx="377026" cy="369332"/>
+          </a:xfrm>
+          <a:prstGeom prst="rect">
+            <a:avLst/>
+          </a:prstGeom>
+          <a:noFill/>
+        </p:spPr>
+        <p:txBody>
+          <a:bodyPr wrap="none" rtlCol="0">
+            <a:spAutoFit/>
+          </a:bodyPr>
+          <a:lstStyle/>
+          <a:p>
+            <a:r>
+              <a:rPr lang="es-BO" dirty="0" smtClean="0"/>
+              <a:t>6.</a:t>
+            </a:r>
+            <a:endParaRPr lang="en-US" dirty="0"/>
           </a:p>
         </p:txBody>
       </p:sp>
     </p:spTree>
     <p:extLst>
       <p:ext uri="{BB962C8B-B14F-4D97-AF65-F5344CB8AC3E}">
-        <p14:creationId xmlns:p14="http://schemas.microsoft.com/office/powerpoint/2010/main" val="2407347476"/>
+        <p14:creationId xmlns:p14="http://schemas.microsoft.com/office/powerpoint/2010/main" val="2708973370"/>
       </p:ext>
     </p:extLst>
   </p:cSld>
@@ -5027,8 +8190,8 @@
         </p:nvSpPr>
         <p:spPr>
           <a:xfrm>
-            <a:off x="1371599" y="562707"/>
-            <a:ext cx="9995095" cy="1378635"/>
+            <a:off x="1371600" y="2285999"/>
+            <a:ext cx="9601200" cy="4353951"/>
           </a:xfrm>
         </p:spPr>
         <p:txBody>
@@ -5037,407 +8200,112 @@
           <a:p>
             <a:r>
               <a:rPr lang="es-BO" dirty="0" smtClean="0"/>
-              <a:t>Otra forma para verificar es:</a:t>
-            </a:r>
-            <a:r>
-              <a:rPr lang="en-US" dirty="0" smtClean="0"/>
-              <a:t> </a:t>
-            </a:r>
-            <a:r>
-              <a:rPr lang="en-US" dirty="0" err="1" smtClean="0"/>
-              <a:t>entrar</a:t>
-            </a:r>
-            <a:r>
-              <a:rPr lang="en-US" dirty="0" smtClean="0"/>
-              <a:t> a la terminal, </a:t>
-            </a:r>
-            <a:r>
-              <a:rPr lang="en-US" dirty="0" err="1" smtClean="0"/>
-              <a:t>mkdir</a:t>
-            </a:r>
-            <a:r>
-              <a:rPr lang="en-US" dirty="0" smtClean="0"/>
-              <a:t> (</a:t>
-            </a:r>
-            <a:r>
-              <a:rPr lang="en-US" dirty="0" err="1" smtClean="0"/>
-              <a:t>nombre</a:t>
-            </a:r>
-            <a:r>
-              <a:rPr lang="en-US" dirty="0" smtClean="0"/>
-              <a:t> de la </a:t>
-            </a:r>
-            <a:r>
-              <a:rPr lang="en-US" dirty="0" err="1" smtClean="0"/>
-              <a:t>carpeta</a:t>
-            </a:r>
-            <a:r>
-              <a:rPr lang="en-US" dirty="0" smtClean="0"/>
-              <a:t>),       cd (</a:t>
-            </a:r>
-            <a:r>
-              <a:rPr lang="en-US" dirty="0" err="1" smtClean="0"/>
-              <a:t>ingresar</a:t>
-            </a:r>
-            <a:r>
-              <a:rPr lang="en-US" dirty="0" smtClean="0"/>
-              <a:t> a la </a:t>
-            </a:r>
-            <a:r>
-              <a:rPr lang="en-US" dirty="0" err="1" smtClean="0"/>
-              <a:t>carpeta</a:t>
-            </a:r>
-            <a:r>
-              <a:rPr lang="en-US" dirty="0" smtClean="0"/>
-              <a:t> </a:t>
-            </a:r>
-            <a:r>
-              <a:rPr lang="en-US" dirty="0" err="1" smtClean="0"/>
-              <a:t>creada</a:t>
-            </a:r>
-            <a:r>
-              <a:rPr lang="en-US" dirty="0" smtClean="0"/>
-              <a:t>), code . (</a:t>
-            </a:r>
-            <a:r>
-              <a:rPr lang="en-US" dirty="0" err="1" smtClean="0"/>
-              <a:t>ingresar</a:t>
-            </a:r>
-            <a:r>
-              <a:rPr lang="en-US" dirty="0" smtClean="0"/>
-              <a:t> a visual code)</a:t>
+              <a:t>Descomprimir el contenido .ZIP descargado</a:t>
             </a:r>
           </a:p>
           <a:p>
             <a:r>
               <a:rPr lang="es-BO" dirty="0" smtClean="0"/>
-              <a:t>Dentro de visual </a:t>
+              <a:t>Crear una carpeta con nombre (PHP) en el disco local :C </a:t>
+            </a:r>
+          </a:p>
+          <a:p>
+            <a:r>
+              <a:rPr lang="es-BO" dirty="0" smtClean="0"/>
+              <a:t>Copear todo el contenido de la carpeta descomprimida a la carpeta creada con nombre (PHP) en el disco local :C</a:t>
+            </a:r>
+          </a:p>
+          <a:p>
+            <a:r>
+              <a:rPr lang="es-BO" dirty="0" smtClean="0"/>
+              <a:t>Luego para configurar ir al buscador del sistema y buscar (editar las variables de entorno del sistema), ir a la opción de (Variables de entorno…)</a:t>
+            </a:r>
+          </a:p>
+          <a:p>
+            <a:r>
+              <a:rPr lang="es-BO" dirty="0" smtClean="0"/>
+              <a:t>Buscar la Variable (</a:t>
             </a:r>
             <a:r>
               <a:rPr lang="es-BO" dirty="0" err="1" smtClean="0"/>
-              <a:t>code</a:t>
+              <a:t>Path</a:t>
             </a:r>
             <a:r>
               <a:rPr lang="es-BO" dirty="0" smtClean="0"/>
-              <a:t> crear un archivo (</a:t>
+              <a:t>) y presionar en editar, dentro del apartado presionar en nuevo y colocar la dirección donde se encuentra la carpeta PHP (C:\PHP) luego coloca ok y ok</a:t>
+            </a:r>
+          </a:p>
+          <a:p>
+            <a:r>
+              <a:rPr lang="es-BO" dirty="0" smtClean="0"/>
+              <a:t>Para verificar que PHP ya esta instalada, ir a la terminal y colocar (</a:t>
             </a:r>
             <a:r>
               <a:rPr lang="es-BO" dirty="0" err="1" smtClean="0"/>
-              <a:t>index.php</a:t>
+              <a:t>php</a:t>
             </a:r>
             <a:r>
               <a:rPr lang="es-BO" dirty="0" smtClean="0"/>
-              <a:t>) y escribir dentro del mismo: </a:t>
-            </a:r>
-          </a:p>
-        </p:txBody>
-      </p:sp>
-      <p:pic>
-        <p:nvPicPr>
-          <p:cNvPr id="7" name="Imagen 6"/>
-          <p:cNvPicPr>
-            <a:picLocks noChangeAspect="1"/>
-          </p:cNvPicPr>
-          <p:nvPr/>
-        </p:nvPicPr>
-        <p:blipFill>
-          <a:blip r:embed="rId2"/>
-          <a:stretch>
-            <a:fillRect/>
-          </a:stretch>
-        </p:blipFill>
-        <p:spPr>
-          <a:xfrm>
-            <a:off x="4508989" y="1941342"/>
-            <a:ext cx="3031505" cy="1209821"/>
-          </a:xfrm>
-          <a:prstGeom prst="rect">
-            <a:avLst/>
-          </a:prstGeom>
-        </p:spPr>
-      </p:pic>
-      <p:sp>
-        <p:nvSpPr>
-          <p:cNvPr id="8" name="Marcador de contenido 2"/>
-          <p:cNvSpPr txBox="1">
-            <a:spLocks/>
-          </p:cNvSpPr>
-          <p:nvPr/>
-        </p:nvSpPr>
-        <p:spPr>
-          <a:xfrm>
-            <a:off x="1371599" y="3699804"/>
-            <a:ext cx="9995095" cy="1280160"/>
-          </a:xfrm>
-          <a:prstGeom prst="rect">
-            <a:avLst/>
-          </a:prstGeom>
-        </p:spPr>
-        <p:txBody>
-          <a:bodyPr vert="horz" lIns="91440" tIns="45720" rIns="91440" bIns="45720" rtlCol="0">
-            <a:normAutofit/>
-          </a:bodyPr>
-          <a:lstStyle>
-            <a:lvl1pPr marL="384048" indent="-384048" algn="l" defTabSz="914400" rtl="0" eaLnBrk="1" latinLnBrk="0" hangingPunct="1">
-              <a:lnSpc>
-                <a:spcPct val="94000"/>
-              </a:lnSpc>
-              <a:spcBef>
-                <a:spcPts val="1000"/>
-              </a:spcBef>
-              <a:spcAft>
-                <a:spcPts val="200"/>
-              </a:spcAft>
-              <a:buFont typeface="Franklin Gothic Book" panose="020B0503020102020204" pitchFamily="34" charset="0"/>
-              <a:buChar char="■"/>
-              <a:defRPr sz="2000" kern="1200" baseline="0">
-                <a:solidFill>
-                  <a:schemeClr val="tx2"/>
-                </a:solidFill>
-                <a:latin typeface="+mn-lt"/>
-                <a:ea typeface="+mn-ea"/>
-                <a:cs typeface="+mn-cs"/>
-              </a:defRPr>
-            </a:lvl1pPr>
-            <a:lvl2pPr marL="914400" indent="-384048" algn="l" defTabSz="914400" rtl="0" eaLnBrk="1" latinLnBrk="0" hangingPunct="1">
-              <a:lnSpc>
-                <a:spcPct val="94000"/>
-              </a:lnSpc>
-              <a:spcBef>
-                <a:spcPts val="500"/>
-              </a:spcBef>
-              <a:spcAft>
-                <a:spcPts val="200"/>
-              </a:spcAft>
-              <a:buFont typeface="Franklin Gothic Book" panose="020B0503020102020204" pitchFamily="34" charset="0"/>
-              <a:buChar char="–"/>
-              <a:defRPr sz="2000" i="1" kern="1200" baseline="0">
-                <a:solidFill>
-                  <a:schemeClr val="tx2"/>
-                </a:solidFill>
-                <a:latin typeface="+mn-lt"/>
-                <a:ea typeface="+mn-ea"/>
-                <a:cs typeface="+mn-cs"/>
-              </a:defRPr>
-            </a:lvl2pPr>
-            <a:lvl3pPr marL="1371600" indent="-384048" algn="l" defTabSz="914400" rtl="0" eaLnBrk="1" latinLnBrk="0" hangingPunct="1">
-              <a:lnSpc>
-                <a:spcPct val="94000"/>
-              </a:lnSpc>
-              <a:spcBef>
-                <a:spcPts val="500"/>
-              </a:spcBef>
-              <a:spcAft>
-                <a:spcPts val="200"/>
-              </a:spcAft>
-              <a:buFont typeface="Franklin Gothic Book" panose="020B0503020102020204" pitchFamily="34" charset="0"/>
-              <a:buChar char="■"/>
-              <a:defRPr sz="1800" kern="1200" baseline="0">
-                <a:solidFill>
-                  <a:schemeClr val="tx2"/>
-                </a:solidFill>
-                <a:latin typeface="+mn-lt"/>
-                <a:ea typeface="+mn-ea"/>
-                <a:cs typeface="+mn-cs"/>
-              </a:defRPr>
-            </a:lvl3pPr>
-            <a:lvl4pPr marL="1828800" indent="-384048" algn="l" defTabSz="914400" rtl="0" eaLnBrk="1" latinLnBrk="0" hangingPunct="1">
-              <a:lnSpc>
-                <a:spcPct val="94000"/>
-              </a:lnSpc>
-              <a:spcBef>
-                <a:spcPts val="500"/>
-              </a:spcBef>
-              <a:spcAft>
-                <a:spcPts val="200"/>
-              </a:spcAft>
-              <a:buFont typeface="Franklin Gothic Book" panose="020B0503020102020204" pitchFamily="34" charset="0"/>
-              <a:buChar char="–"/>
-              <a:defRPr sz="1800" i="1" kern="1200" baseline="0">
-                <a:solidFill>
-                  <a:schemeClr val="tx2"/>
-                </a:solidFill>
-                <a:latin typeface="+mn-lt"/>
-                <a:ea typeface="+mn-ea"/>
-                <a:cs typeface="+mn-cs"/>
-              </a:defRPr>
-            </a:lvl4pPr>
-            <a:lvl5pPr marL="2286000" indent="-384048" algn="l" defTabSz="914400" rtl="0" eaLnBrk="1" latinLnBrk="0" hangingPunct="1">
-              <a:lnSpc>
-                <a:spcPct val="94000"/>
-              </a:lnSpc>
-              <a:spcBef>
-                <a:spcPts val="500"/>
-              </a:spcBef>
-              <a:spcAft>
-                <a:spcPts val="200"/>
-              </a:spcAft>
-              <a:buFont typeface="Franklin Gothic Book" panose="020B0503020102020204" pitchFamily="34" charset="0"/>
-              <a:buChar char="■"/>
-              <a:defRPr sz="1600" kern="1200" baseline="0">
-                <a:solidFill>
-                  <a:schemeClr val="tx2"/>
-                </a:solidFill>
-                <a:latin typeface="+mn-lt"/>
-                <a:ea typeface="+mn-ea"/>
-                <a:cs typeface="+mn-cs"/>
-              </a:defRPr>
-            </a:lvl5pPr>
-            <a:lvl6pPr marL="2743200" indent="-384048" algn="l" defTabSz="914400" rtl="0" eaLnBrk="1" latinLnBrk="0" hangingPunct="1">
-              <a:lnSpc>
-                <a:spcPct val="94000"/>
-              </a:lnSpc>
-              <a:spcBef>
-                <a:spcPts val="500"/>
-              </a:spcBef>
-              <a:spcAft>
-                <a:spcPts val="200"/>
-              </a:spcAft>
-              <a:buFont typeface="Franklin Gothic Book" panose="020B0503020102020204" pitchFamily="34" charset="0"/>
-              <a:buChar char="–"/>
-              <a:defRPr sz="1600" i="1" kern="1200" baseline="0">
-                <a:solidFill>
-                  <a:schemeClr val="tx2"/>
-                </a:solidFill>
-                <a:latin typeface="+mn-lt"/>
-                <a:ea typeface="+mn-ea"/>
-                <a:cs typeface="+mn-cs"/>
-              </a:defRPr>
-            </a:lvl6pPr>
-            <a:lvl7pPr marL="3200400" indent="-384048" algn="l" defTabSz="914400" rtl="0" eaLnBrk="1" latinLnBrk="0" hangingPunct="1">
-              <a:lnSpc>
-                <a:spcPct val="94000"/>
-              </a:lnSpc>
-              <a:spcBef>
-                <a:spcPts val="500"/>
-              </a:spcBef>
-              <a:spcAft>
-                <a:spcPts val="200"/>
-              </a:spcAft>
-              <a:buFont typeface="Franklin Gothic Book" panose="020B0503020102020204" pitchFamily="34" charset="0"/>
-              <a:buChar char="■"/>
-              <a:defRPr sz="1400" kern="1200" baseline="0">
-                <a:solidFill>
-                  <a:schemeClr val="tx2"/>
-                </a:solidFill>
-                <a:latin typeface="+mn-lt"/>
-                <a:ea typeface="+mn-ea"/>
-                <a:cs typeface="+mn-cs"/>
-              </a:defRPr>
-            </a:lvl7pPr>
-            <a:lvl8pPr marL="3657600" indent="-384048" algn="l" defTabSz="914400" rtl="0" eaLnBrk="1" latinLnBrk="0" hangingPunct="1">
-              <a:lnSpc>
-                <a:spcPct val="94000"/>
-              </a:lnSpc>
-              <a:spcBef>
-                <a:spcPts val="500"/>
-              </a:spcBef>
-              <a:spcAft>
-                <a:spcPts val="200"/>
-              </a:spcAft>
-              <a:buFont typeface="Franklin Gothic Book" panose="020B0503020102020204" pitchFamily="34" charset="0"/>
-              <a:buChar char="–"/>
-              <a:defRPr sz="1400" i="1" kern="1200" baseline="0">
-                <a:solidFill>
-                  <a:schemeClr val="tx2"/>
-                </a:solidFill>
-                <a:latin typeface="+mn-lt"/>
-                <a:ea typeface="+mn-ea"/>
-                <a:cs typeface="+mn-cs"/>
-              </a:defRPr>
-            </a:lvl8pPr>
-            <a:lvl9pPr marL="4114800" indent="-384048" algn="l" defTabSz="914400" rtl="0" eaLnBrk="1" latinLnBrk="0" hangingPunct="1">
-              <a:lnSpc>
-                <a:spcPct val="94000"/>
-              </a:lnSpc>
-              <a:spcBef>
-                <a:spcPts val="500"/>
-              </a:spcBef>
-              <a:spcAft>
-                <a:spcPts val="200"/>
-              </a:spcAft>
-              <a:buFont typeface="Franklin Gothic Book" panose="020B0503020102020204" pitchFamily="34" charset="0"/>
-              <a:buChar char="■"/>
-              <a:defRPr sz="1400" kern="1200" baseline="0">
-                <a:solidFill>
-                  <a:schemeClr val="tx2"/>
-                </a:solidFill>
-                <a:latin typeface="+mn-lt"/>
-                <a:ea typeface="+mn-ea"/>
-                <a:cs typeface="+mn-cs"/>
-              </a:defRPr>
-            </a:lvl9pPr>
-          </a:lstStyle>
-          <a:p>
-            <a:r>
-              <a:rPr lang="es-BO" dirty="0" smtClean="0"/>
-              <a:t>Ir de nuevo a la terminal y colocar: </a:t>
-            </a:r>
-            <a:r>
-              <a:rPr lang="es-BO" b="1" dirty="0" err="1" smtClean="0">
-                <a:solidFill>
-                  <a:srgbClr val="FF0000"/>
-                </a:solidFill>
-              </a:rPr>
-              <a:t>php</a:t>
-            </a:r>
-            <a:r>
-              <a:rPr lang="es-BO" b="1" dirty="0" smtClean="0">
-                <a:solidFill>
-                  <a:srgbClr val="FF0000"/>
-                </a:solidFill>
-              </a:rPr>
-              <a:t> –S localhost:8000 </a:t>
-            </a:r>
-          </a:p>
-          <a:p>
-            <a:pPr marL="0" indent="0">
-              <a:buNone/>
-            </a:pPr>
-            <a:r>
-              <a:rPr lang="es-BO" dirty="0" smtClean="0">
-                <a:solidFill>
-                  <a:srgbClr val="191B0E"/>
-                </a:solidFill>
-              </a:rPr>
-              <a:t>Este iniciara el servidor por defecto de PHP mostrándonos una pagina donde verificar los datos de PHP</a:t>
-            </a:r>
-            <a:endParaRPr lang="es-BO" dirty="0" smtClean="0">
-              <a:solidFill>
-                <a:srgbClr val="191B0E"/>
-              </a:solidFill>
-            </a:endParaRPr>
-          </a:p>
-        </p:txBody>
-      </p:sp>
-      <p:pic>
-        <p:nvPicPr>
-          <p:cNvPr id="9" name="Imagen 8"/>
-          <p:cNvPicPr>
-            <a:picLocks noChangeAspect="1"/>
-          </p:cNvPicPr>
-          <p:nvPr/>
-        </p:nvPicPr>
-        <p:blipFill>
-          <a:blip r:embed="rId3"/>
-          <a:stretch>
-            <a:fillRect/>
-          </a:stretch>
-        </p:blipFill>
-        <p:spPr>
-          <a:xfrm>
-            <a:off x="1680212" y="5084245"/>
-            <a:ext cx="9109374" cy="888719"/>
-          </a:xfrm>
-          <a:prstGeom prst="rect">
-            <a:avLst/>
-          </a:prstGeom>
-        </p:spPr>
-      </p:pic>
+              <a:t> –v) con esto sabremos la versión y si se instalo correctamente.</a:t>
+            </a:r>
+            <a:endParaRPr lang="en-US" dirty="0"/>
+          </a:p>
+        </p:txBody>
+      </p:sp>
+      <p:sp>
+        <p:nvSpPr>
+          <p:cNvPr id="4" name="Rectángulo 3"/>
+          <p:cNvSpPr/>
+          <p:nvPr/>
+        </p:nvSpPr>
+        <p:spPr>
+          <a:xfrm>
+            <a:off x="689318" y="0"/>
+            <a:ext cx="11502682" cy="1216855"/>
+          </a:xfrm>
+          <a:prstGeom prst="rect">
+            <a:avLst/>
+          </a:prstGeom>
+          <a:solidFill>
+            <a:srgbClr val="191B0E"/>
+          </a:solidFill>
+          <a:ln>
+            <a:noFill/>
+          </a:ln>
+        </p:spPr>
+        <p:style>
+          <a:lnRef idx="2">
+            <a:schemeClr val="accent1">
+              <a:shade val="50000"/>
+            </a:schemeClr>
+          </a:lnRef>
+          <a:fillRef idx="1">
+            <a:schemeClr val="accent1"/>
+          </a:fillRef>
+          <a:effectRef idx="0">
+            <a:schemeClr val="accent1"/>
+          </a:effectRef>
+          <a:fontRef idx="minor">
+            <a:schemeClr val="lt1"/>
+          </a:fontRef>
+        </p:style>
+        <p:txBody>
+          <a:bodyPr rtlCol="0" anchor="ctr"/>
+          <a:lstStyle/>
+          <a:p>
+            <a:pPr algn="ctr"/>
+            <a:r>
+              <a:rPr lang="es-BO" sz="3200" b="1" dirty="0" smtClean="0"/>
+              <a:t>PROCEDIMIENTO DE INSTALAR PHP</a:t>
+            </a:r>
+            <a:endParaRPr lang="en-US" sz="3200" b="1" dirty="0"/>
+          </a:p>
+        </p:txBody>
+      </p:sp>
     </p:spTree>
     <p:extLst>
       <p:ext uri="{BB962C8B-B14F-4D97-AF65-F5344CB8AC3E}">
-        <p14:creationId xmlns:p14="http://schemas.microsoft.com/office/powerpoint/2010/main" val="1760860054"/>
+        <p14:creationId xmlns:p14="http://schemas.microsoft.com/office/powerpoint/2010/main" val="2407347476"/>
       </p:ext>
     </p:extLst>
   </p:cSld>
@@ -5473,65 +8341,124 @@
       </p:grpSpPr>
       <p:sp>
         <p:nvSpPr>
-          <p:cNvPr id="4" name="Rectángulo 3"/>
-          <p:cNvSpPr/>
-          <p:nvPr/>
-        </p:nvSpPr>
-        <p:spPr>
-          <a:xfrm>
-            <a:off x="689318" y="0"/>
-            <a:ext cx="11502682" cy="1216855"/>
-          </a:xfrm>
-          <a:prstGeom prst="rect">
-            <a:avLst/>
-          </a:prstGeom>
-          <a:solidFill>
-            <a:srgbClr val="191B0E"/>
-          </a:solidFill>
-          <a:ln>
-            <a:noFill/>
-          </a:ln>
-        </p:spPr>
-        <p:style>
-          <a:lnRef idx="2">
-            <a:schemeClr val="accent1">
-              <a:shade val="50000"/>
-            </a:schemeClr>
-          </a:lnRef>
-          <a:fillRef idx="1">
-            <a:schemeClr val="accent1"/>
-          </a:fillRef>
-          <a:effectRef idx="0">
-            <a:schemeClr val="accent1"/>
-          </a:effectRef>
-          <a:fontRef idx="minor">
-            <a:schemeClr val="lt1"/>
-          </a:fontRef>
-        </p:style>
-        <p:txBody>
-          <a:bodyPr rtlCol="0" anchor="ctr"/>
-          <a:lstStyle/>
-          <a:p>
-            <a:pPr algn="ctr"/>
-            <a:r>
-              <a:rPr lang="es-BO" sz="3200" b="1" i="1" dirty="0" smtClean="0"/>
-              <a:t>EN CASO DE TENER PROBLEMAS EN LA INSTALACION DE XAMMP </a:t>
-            </a:r>
-            <a:r>
-              <a:rPr lang="es-BO" sz="3200" b="1" dirty="0" smtClean="0"/>
-              <a:t>POR</a:t>
-            </a:r>
-            <a:r>
-              <a:rPr lang="es-BO" sz="3200" b="1" i="1" dirty="0" smtClean="0"/>
-              <a:t> ERROR UAC</a:t>
-            </a:r>
-            <a:endParaRPr lang="en-US" sz="3200" b="1" i="1" dirty="0"/>
+          <p:cNvPr id="3" name="Marcador de contenido 2"/>
+          <p:cNvSpPr>
+            <a:spLocks noGrp="1"/>
+          </p:cNvSpPr>
+          <p:nvPr>
+            <p:ph idx="1"/>
+          </p:nvPr>
+        </p:nvSpPr>
+        <p:spPr>
+          <a:xfrm>
+            <a:off x="1371599" y="562707"/>
+            <a:ext cx="9995095" cy="1378635"/>
+          </a:xfrm>
+        </p:spPr>
+        <p:txBody>
+          <a:bodyPr/>
+          <a:lstStyle/>
+          <a:p>
+            <a:r>
+              <a:rPr lang="es-BO" dirty="0" smtClean="0"/>
+              <a:t>Otra forma para verificar es:</a:t>
+            </a:r>
+            <a:r>
+              <a:rPr lang="en-US" dirty="0" smtClean="0"/>
+              <a:t> </a:t>
+            </a:r>
+            <a:r>
+              <a:rPr lang="en-US" dirty="0" err="1" smtClean="0"/>
+              <a:t>entrar</a:t>
+            </a:r>
+            <a:r>
+              <a:rPr lang="en-US" dirty="0" smtClean="0"/>
+              <a:t> a la terminal, </a:t>
+            </a:r>
+            <a:r>
+              <a:rPr lang="en-US" dirty="0" err="1" smtClean="0"/>
+              <a:t>mkdir</a:t>
+            </a:r>
+            <a:r>
+              <a:rPr lang="en-US" dirty="0" smtClean="0"/>
+              <a:t> (</a:t>
+            </a:r>
+            <a:r>
+              <a:rPr lang="en-US" dirty="0" err="1" smtClean="0"/>
+              <a:t>nombre</a:t>
+            </a:r>
+            <a:r>
+              <a:rPr lang="en-US" dirty="0" smtClean="0"/>
+              <a:t> de la </a:t>
+            </a:r>
+            <a:r>
+              <a:rPr lang="en-US" dirty="0" err="1" smtClean="0"/>
+              <a:t>carpeta</a:t>
+            </a:r>
+            <a:r>
+              <a:rPr lang="en-US" dirty="0" smtClean="0"/>
+              <a:t>),       cd (</a:t>
+            </a:r>
+            <a:r>
+              <a:rPr lang="en-US" dirty="0" err="1" smtClean="0"/>
+              <a:t>ingresar</a:t>
+            </a:r>
+            <a:r>
+              <a:rPr lang="en-US" dirty="0" smtClean="0"/>
+              <a:t> a la </a:t>
+            </a:r>
+            <a:r>
+              <a:rPr lang="en-US" dirty="0" err="1" smtClean="0"/>
+              <a:t>carpeta</a:t>
+            </a:r>
+            <a:r>
+              <a:rPr lang="en-US" dirty="0" smtClean="0"/>
+              <a:t> </a:t>
+            </a:r>
+            <a:r>
+              <a:rPr lang="en-US" dirty="0" err="1" smtClean="0"/>
+              <a:t>creada</a:t>
+            </a:r>
+            <a:r>
+              <a:rPr lang="en-US" dirty="0" smtClean="0"/>
+              <a:t>), code . (</a:t>
+            </a:r>
+            <a:r>
+              <a:rPr lang="en-US" dirty="0" err="1" smtClean="0"/>
+              <a:t>ingresar</a:t>
+            </a:r>
+            <a:r>
+              <a:rPr lang="en-US" dirty="0" smtClean="0"/>
+              <a:t> a visual code)</a:t>
+            </a:r>
+          </a:p>
+          <a:p>
+            <a:r>
+              <a:rPr lang="es-BO" dirty="0" smtClean="0"/>
+              <a:t>Dentro de visual </a:t>
+            </a:r>
+            <a:r>
+              <a:rPr lang="es-BO" dirty="0" err="1" smtClean="0"/>
+              <a:t>code</a:t>
+            </a:r>
+            <a:r>
+              <a:rPr lang="es-BO" dirty="0" smtClean="0"/>
+              <a:t> crear un archivo (</a:t>
+            </a:r>
+            <a:r>
+              <a:rPr lang="es-BO" dirty="0" err="1" smtClean="0"/>
+              <a:t>index.php</a:t>
+            </a:r>
+            <a:r>
+              <a:rPr lang="es-BO" dirty="0" smtClean="0"/>
+              <a:t>) y escribir dentro del mismo: </a:t>
+            </a:r>
           </a:p>
         </p:txBody>
       </p:sp>
       <p:pic>
         <p:nvPicPr>
-          <p:cNvPr id="2" name="Imagen 1"/>
+          <p:cNvPr id="7" name="Imagen 6"/>
           <p:cNvPicPr>
             <a:picLocks noChangeAspect="1"/>
           </p:cNvPicPr>
@@ -5545,17 +8472,266 @@
         </p:blipFill>
         <p:spPr>
           <a:xfrm>
-            <a:off x="1319261" y="1396307"/>
-            <a:ext cx="3801005" cy="1638529"/>
+            <a:off x="4508989" y="1941342"/>
+            <a:ext cx="3031505" cy="1209821"/>
           </a:xfrm>
           <a:prstGeom prst="rect">
             <a:avLst/>
           </a:prstGeom>
         </p:spPr>
       </p:pic>
+      <p:sp>
+        <p:nvSpPr>
+          <p:cNvPr id="8" name="Marcador de contenido 2"/>
+          <p:cNvSpPr txBox="1">
+            <a:spLocks/>
+          </p:cNvSpPr>
+          <p:nvPr/>
+        </p:nvSpPr>
+        <p:spPr>
+          <a:xfrm>
+            <a:off x="1371599" y="3699804"/>
+            <a:ext cx="9995095" cy="1280160"/>
+          </a:xfrm>
+          <a:prstGeom prst="rect">
+            <a:avLst/>
+          </a:prstGeom>
+        </p:spPr>
+        <p:txBody>
+          <a:bodyPr vert="horz" lIns="91440" tIns="45720" rIns="91440" bIns="45720" rtlCol="0">
+            <a:normAutofit/>
+          </a:bodyPr>
+          <a:lstStyle>
+            <a:lvl1pPr marL="384048" indent="-384048" algn="l" defTabSz="914400" rtl="0" eaLnBrk="1" latinLnBrk="0" hangingPunct="1">
+              <a:lnSpc>
+                <a:spcPct val="94000"/>
+              </a:lnSpc>
+              <a:spcBef>
+                <a:spcPts val="1000"/>
+              </a:spcBef>
+              <a:spcAft>
+                <a:spcPts val="200"/>
+              </a:spcAft>
+              <a:buFont typeface="Franklin Gothic Book" panose="020B0503020102020204" pitchFamily="34" charset="0"/>
+              <a:buChar char="■"/>
+              <a:defRPr sz="2000" kern="1200" baseline="0">
+                <a:solidFill>
+                  <a:schemeClr val="tx2"/>
+                </a:solidFill>
+                <a:latin typeface="+mn-lt"/>
+                <a:ea typeface="+mn-ea"/>
+                <a:cs typeface="+mn-cs"/>
+              </a:defRPr>
+            </a:lvl1pPr>
+            <a:lvl2pPr marL="914400" indent="-384048" algn="l" defTabSz="914400" rtl="0" eaLnBrk="1" latinLnBrk="0" hangingPunct="1">
+              <a:lnSpc>
+                <a:spcPct val="94000"/>
+              </a:lnSpc>
+              <a:spcBef>
+                <a:spcPts val="500"/>
+              </a:spcBef>
+              <a:spcAft>
+                <a:spcPts val="200"/>
+              </a:spcAft>
+              <a:buFont typeface="Franklin Gothic Book" panose="020B0503020102020204" pitchFamily="34" charset="0"/>
+              <a:buChar char="–"/>
+              <a:defRPr sz="2000" i="1" kern="1200" baseline="0">
+                <a:solidFill>
+                  <a:schemeClr val="tx2"/>
+                </a:solidFill>
+                <a:latin typeface="+mn-lt"/>
+                <a:ea typeface="+mn-ea"/>
+                <a:cs typeface="+mn-cs"/>
+              </a:defRPr>
+            </a:lvl2pPr>
+            <a:lvl3pPr marL="1371600" indent="-384048" algn="l" defTabSz="914400" rtl="0" eaLnBrk="1" latinLnBrk="0" hangingPunct="1">
+              <a:lnSpc>
+                <a:spcPct val="94000"/>
+              </a:lnSpc>
+              <a:spcBef>
+                <a:spcPts val="500"/>
+              </a:spcBef>
+              <a:spcAft>
+                <a:spcPts val="200"/>
+              </a:spcAft>
+              <a:buFont typeface="Franklin Gothic Book" panose="020B0503020102020204" pitchFamily="34" charset="0"/>
+              <a:buChar char="■"/>
+              <a:defRPr sz="1800" kern="1200" baseline="0">
+                <a:solidFill>
+                  <a:schemeClr val="tx2"/>
+                </a:solidFill>
+                <a:latin typeface="+mn-lt"/>
+                <a:ea typeface="+mn-ea"/>
+                <a:cs typeface="+mn-cs"/>
+              </a:defRPr>
+            </a:lvl3pPr>
+            <a:lvl4pPr marL="1828800" indent="-384048" algn="l" defTabSz="914400" rtl="0" eaLnBrk="1" latinLnBrk="0" hangingPunct="1">
+              <a:lnSpc>
+                <a:spcPct val="94000"/>
+              </a:lnSpc>
+              <a:spcBef>
+                <a:spcPts val="500"/>
+              </a:spcBef>
+              <a:spcAft>
+                <a:spcPts val="200"/>
+              </a:spcAft>
+              <a:buFont typeface="Franklin Gothic Book" panose="020B0503020102020204" pitchFamily="34" charset="0"/>
+              <a:buChar char="–"/>
+              <a:defRPr sz="1800" i="1" kern="1200" baseline="0">
+                <a:solidFill>
+                  <a:schemeClr val="tx2"/>
+                </a:solidFill>
+                <a:latin typeface="+mn-lt"/>
+                <a:ea typeface="+mn-ea"/>
+                <a:cs typeface="+mn-cs"/>
+              </a:defRPr>
+            </a:lvl4pPr>
+            <a:lvl5pPr marL="2286000" indent="-384048" algn="l" defTabSz="914400" rtl="0" eaLnBrk="1" latinLnBrk="0" hangingPunct="1">
+              <a:lnSpc>
+                <a:spcPct val="94000"/>
+              </a:lnSpc>
+              <a:spcBef>
+                <a:spcPts val="500"/>
+              </a:spcBef>
+              <a:spcAft>
+                <a:spcPts val="200"/>
+              </a:spcAft>
+              <a:buFont typeface="Franklin Gothic Book" panose="020B0503020102020204" pitchFamily="34" charset="0"/>
+              <a:buChar char="■"/>
+              <a:defRPr sz="1600" kern="1200" baseline="0">
+                <a:solidFill>
+                  <a:schemeClr val="tx2"/>
+                </a:solidFill>
+                <a:latin typeface="+mn-lt"/>
+                <a:ea typeface="+mn-ea"/>
+                <a:cs typeface="+mn-cs"/>
+              </a:defRPr>
+            </a:lvl5pPr>
+            <a:lvl6pPr marL="2743200" indent="-384048" algn="l" defTabSz="914400" rtl="0" eaLnBrk="1" latinLnBrk="0" hangingPunct="1">
+              <a:lnSpc>
+                <a:spcPct val="94000"/>
+              </a:lnSpc>
+              <a:spcBef>
+                <a:spcPts val="500"/>
+              </a:spcBef>
+              <a:spcAft>
+                <a:spcPts val="200"/>
+              </a:spcAft>
+              <a:buFont typeface="Franklin Gothic Book" panose="020B0503020102020204" pitchFamily="34" charset="0"/>
+              <a:buChar char="–"/>
+              <a:defRPr sz="1600" i="1" kern="1200" baseline="0">
+                <a:solidFill>
+                  <a:schemeClr val="tx2"/>
+                </a:solidFill>
+                <a:latin typeface="+mn-lt"/>
+                <a:ea typeface="+mn-ea"/>
+                <a:cs typeface="+mn-cs"/>
+              </a:defRPr>
+            </a:lvl6pPr>
+            <a:lvl7pPr marL="3200400" indent="-384048" algn="l" defTabSz="914400" rtl="0" eaLnBrk="1" latinLnBrk="0" hangingPunct="1">
+              <a:lnSpc>
+                <a:spcPct val="94000"/>
+              </a:lnSpc>
+              <a:spcBef>
+                <a:spcPts val="500"/>
+              </a:spcBef>
+              <a:spcAft>
+                <a:spcPts val="200"/>
+              </a:spcAft>
+              <a:buFont typeface="Franklin Gothic Book" panose="020B0503020102020204" pitchFamily="34" charset="0"/>
+              <a:buChar char="■"/>
+              <a:defRPr sz="1400" kern="1200" baseline="0">
+                <a:solidFill>
+                  <a:schemeClr val="tx2"/>
+                </a:solidFill>
+                <a:latin typeface="+mn-lt"/>
+                <a:ea typeface="+mn-ea"/>
+                <a:cs typeface="+mn-cs"/>
+              </a:defRPr>
+            </a:lvl7pPr>
+            <a:lvl8pPr marL="3657600" indent="-384048" algn="l" defTabSz="914400" rtl="0" eaLnBrk="1" latinLnBrk="0" hangingPunct="1">
+              <a:lnSpc>
+                <a:spcPct val="94000"/>
+              </a:lnSpc>
+              <a:spcBef>
+                <a:spcPts val="500"/>
+              </a:spcBef>
+              <a:spcAft>
+                <a:spcPts val="200"/>
+              </a:spcAft>
+              <a:buFont typeface="Franklin Gothic Book" panose="020B0503020102020204" pitchFamily="34" charset="0"/>
+              <a:buChar char="–"/>
+              <a:defRPr sz="1400" i="1" kern="1200" baseline="0">
+                <a:solidFill>
+                  <a:schemeClr val="tx2"/>
+                </a:solidFill>
+                <a:latin typeface="+mn-lt"/>
+                <a:ea typeface="+mn-ea"/>
+                <a:cs typeface="+mn-cs"/>
+              </a:defRPr>
+            </a:lvl8pPr>
+            <a:lvl9pPr marL="4114800" indent="-384048" algn="l" defTabSz="914400" rtl="0" eaLnBrk="1" latinLnBrk="0" hangingPunct="1">
+              <a:lnSpc>
+                <a:spcPct val="94000"/>
+              </a:lnSpc>
+              <a:spcBef>
+                <a:spcPts val="500"/>
+              </a:spcBef>
+              <a:spcAft>
+                <a:spcPts val="200"/>
+              </a:spcAft>
+              <a:buFont typeface="Franklin Gothic Book" panose="020B0503020102020204" pitchFamily="34" charset="0"/>
+              <a:buChar char="■"/>
+              <a:defRPr sz="1400" kern="1200" baseline="0">
+                <a:solidFill>
+                  <a:schemeClr val="tx2"/>
+                </a:solidFill>
+                <a:latin typeface="+mn-lt"/>
+                <a:ea typeface="+mn-ea"/>
+                <a:cs typeface="+mn-cs"/>
+              </a:defRPr>
+            </a:lvl9pPr>
+          </a:lstStyle>
+          <a:p>
+            <a:r>
+              <a:rPr lang="es-BO" dirty="0" smtClean="0"/>
+              <a:t>Ir de nuevo a la terminal y colocar: </a:t>
+            </a:r>
+            <a:r>
+              <a:rPr lang="es-BO" b="1" dirty="0" err="1" smtClean="0">
+                <a:solidFill>
+                  <a:srgbClr val="FF0000"/>
+                </a:solidFill>
+              </a:rPr>
+              <a:t>php</a:t>
+            </a:r>
+            <a:r>
+              <a:rPr lang="es-BO" b="1" dirty="0" smtClean="0">
+                <a:solidFill>
+                  <a:srgbClr val="FF0000"/>
+                </a:solidFill>
+              </a:rPr>
+              <a:t> –S localhost:8000 </a:t>
+            </a:r>
+          </a:p>
+          <a:p>
+            <a:pPr marL="0" indent="0">
+              <a:buNone/>
+            </a:pPr>
+            <a:r>
+              <a:rPr lang="es-BO" dirty="0" smtClean="0">
+                <a:solidFill>
+                  <a:srgbClr val="191B0E"/>
+                </a:solidFill>
+              </a:rPr>
+              <a:t>Este iniciara el servidor por defecto de PHP mostrándonos una pagina donde verificar los datos de PHP</a:t>
+            </a:r>
+          </a:p>
+        </p:txBody>
+      </p:sp>
       <p:pic>
         <p:nvPicPr>
-          <p:cNvPr id="5" name="Imagen 4"/>
+          <p:cNvPr id="9" name="Imagen 8"/>
           <p:cNvPicPr>
             <a:picLocks noChangeAspect="1"/>
           </p:cNvPicPr>
@@ -5569,256 +8745,18 @@
         </p:blipFill>
         <p:spPr>
           <a:xfrm>
-            <a:off x="1319261" y="3038003"/>
-            <a:ext cx="3335555" cy="1730164"/>
+            <a:off x="1680212" y="5084245"/>
+            <a:ext cx="9109374" cy="888719"/>
           </a:xfrm>
           <a:prstGeom prst="rect">
             <a:avLst/>
           </a:prstGeom>
         </p:spPr>
       </p:pic>
-      <p:pic>
-        <p:nvPicPr>
-          <p:cNvPr id="6" name="Imagen 5"/>
-          <p:cNvPicPr>
-            <a:picLocks noChangeAspect="1"/>
-          </p:cNvPicPr>
-          <p:nvPr/>
-        </p:nvPicPr>
-        <p:blipFill>
-          <a:blip r:embed="rId4"/>
-          <a:stretch>
-            <a:fillRect/>
-          </a:stretch>
-        </p:blipFill>
-        <p:spPr>
-          <a:xfrm>
-            <a:off x="1319261" y="5114239"/>
-            <a:ext cx="1531394" cy="597244"/>
-          </a:xfrm>
-          <a:prstGeom prst="rect">
-            <a:avLst/>
-          </a:prstGeom>
-        </p:spPr>
-      </p:pic>
-      <p:pic>
-        <p:nvPicPr>
-          <p:cNvPr id="7" name="Imagen 6"/>
-          <p:cNvPicPr>
-            <a:picLocks noChangeAspect="1"/>
-          </p:cNvPicPr>
-          <p:nvPr/>
-        </p:nvPicPr>
-        <p:blipFill>
-          <a:blip r:embed="rId5"/>
-          <a:stretch>
-            <a:fillRect/>
-          </a:stretch>
-        </p:blipFill>
-        <p:spPr>
-          <a:xfrm>
-            <a:off x="1319261" y="6068325"/>
-            <a:ext cx="4307815" cy="335204"/>
-          </a:xfrm>
-          <a:prstGeom prst="rect">
-            <a:avLst/>
-          </a:prstGeom>
-        </p:spPr>
-      </p:pic>
-      <p:pic>
-        <p:nvPicPr>
-          <p:cNvPr id="8" name="Imagen 7"/>
-          <p:cNvPicPr>
-            <a:picLocks noChangeAspect="1"/>
-          </p:cNvPicPr>
-          <p:nvPr/>
-        </p:nvPicPr>
-        <p:blipFill>
-          <a:blip r:embed="rId6"/>
-          <a:stretch>
-            <a:fillRect/>
-          </a:stretch>
-        </p:blipFill>
-        <p:spPr>
-          <a:xfrm>
-            <a:off x="6629641" y="2110321"/>
-            <a:ext cx="4953691" cy="2657846"/>
-          </a:xfrm>
-          <a:prstGeom prst="rect">
-            <a:avLst/>
-          </a:prstGeom>
-        </p:spPr>
-      </p:pic>
-      <p:sp>
-        <p:nvSpPr>
-          <p:cNvPr id="9" name="CuadroTexto 8"/>
-          <p:cNvSpPr txBox="1"/>
-          <p:nvPr/>
-        </p:nvSpPr>
-        <p:spPr>
-          <a:xfrm>
-            <a:off x="794438" y="2030905"/>
-            <a:ext cx="375424" cy="369332"/>
-          </a:xfrm>
-          <a:prstGeom prst="rect">
-            <a:avLst/>
-          </a:prstGeom>
-          <a:noFill/>
-        </p:spPr>
-        <p:txBody>
-          <a:bodyPr wrap="none" rtlCol="0">
-            <a:spAutoFit/>
-          </a:bodyPr>
-          <a:lstStyle/>
-          <a:p>
-            <a:r>
-              <a:rPr lang="es-BO" dirty="0" smtClean="0"/>
-              <a:t>1.</a:t>
-            </a:r>
-            <a:endParaRPr lang="en-US" dirty="0"/>
-          </a:p>
-        </p:txBody>
-      </p:sp>
-      <p:sp>
-        <p:nvSpPr>
-          <p:cNvPr id="10" name="CuadroTexto 9"/>
-          <p:cNvSpPr txBox="1"/>
-          <p:nvPr/>
-        </p:nvSpPr>
-        <p:spPr>
-          <a:xfrm>
-            <a:off x="794438" y="3848600"/>
-            <a:ext cx="377026" cy="369332"/>
-          </a:xfrm>
-          <a:prstGeom prst="rect">
-            <a:avLst/>
-          </a:prstGeom>
-          <a:noFill/>
-        </p:spPr>
-        <p:txBody>
-          <a:bodyPr wrap="none" rtlCol="0">
-            <a:spAutoFit/>
-          </a:bodyPr>
-          <a:lstStyle/>
-          <a:p>
-            <a:r>
-              <a:rPr lang="es-BO" dirty="0"/>
-              <a:t>2</a:t>
-            </a:r>
-            <a:r>
-              <a:rPr lang="es-BO" dirty="0" smtClean="0"/>
-              <a:t>.</a:t>
-            </a:r>
-            <a:endParaRPr lang="en-US" dirty="0"/>
-          </a:p>
-        </p:txBody>
-      </p:sp>
-      <p:sp>
-        <p:nvSpPr>
-          <p:cNvPr id="11" name="CuadroTexto 10"/>
-          <p:cNvSpPr txBox="1"/>
-          <p:nvPr/>
-        </p:nvSpPr>
-        <p:spPr>
-          <a:xfrm>
-            <a:off x="794438" y="5228195"/>
-            <a:ext cx="377026" cy="369332"/>
-          </a:xfrm>
-          <a:prstGeom prst="rect">
-            <a:avLst/>
-          </a:prstGeom>
-          <a:noFill/>
-        </p:spPr>
-        <p:txBody>
-          <a:bodyPr wrap="none" rtlCol="0">
-            <a:spAutoFit/>
-          </a:bodyPr>
-          <a:lstStyle/>
-          <a:p>
-            <a:r>
-              <a:rPr lang="es-BO" dirty="0"/>
-              <a:t>3</a:t>
-            </a:r>
-            <a:r>
-              <a:rPr lang="es-BO" dirty="0" smtClean="0"/>
-              <a:t>.</a:t>
-            </a:r>
-            <a:endParaRPr lang="en-US" dirty="0"/>
-          </a:p>
-        </p:txBody>
-      </p:sp>
-      <p:sp>
-        <p:nvSpPr>
-          <p:cNvPr id="12" name="CuadroTexto 11"/>
-          <p:cNvSpPr txBox="1"/>
-          <p:nvPr/>
-        </p:nvSpPr>
-        <p:spPr>
-          <a:xfrm>
-            <a:off x="794438" y="6067081"/>
-            <a:ext cx="377026" cy="369332"/>
-          </a:xfrm>
-          <a:prstGeom prst="rect">
-            <a:avLst/>
-          </a:prstGeom>
-          <a:noFill/>
-        </p:spPr>
-        <p:txBody>
-          <a:bodyPr wrap="none" rtlCol="0">
-            <a:spAutoFit/>
-          </a:bodyPr>
-          <a:lstStyle/>
-          <a:p>
-            <a:r>
-              <a:rPr lang="es-BO" dirty="0"/>
-              <a:t>4</a:t>
-            </a:r>
-            <a:r>
-              <a:rPr lang="es-BO" dirty="0" smtClean="0"/>
-              <a:t>.</a:t>
-            </a:r>
-            <a:endParaRPr lang="en-US" dirty="0"/>
-          </a:p>
-        </p:txBody>
-      </p:sp>
-      <p:sp>
-        <p:nvSpPr>
-          <p:cNvPr id="13" name="CuadroTexto 12"/>
-          <p:cNvSpPr txBox="1"/>
-          <p:nvPr/>
-        </p:nvSpPr>
-        <p:spPr>
-          <a:xfrm>
-            <a:off x="6164191" y="3254578"/>
-            <a:ext cx="377026" cy="369332"/>
-          </a:xfrm>
-          <a:prstGeom prst="rect">
-            <a:avLst/>
-          </a:prstGeom>
-          <a:noFill/>
-        </p:spPr>
-        <p:txBody>
-          <a:bodyPr wrap="none" rtlCol="0">
-            <a:spAutoFit/>
-          </a:bodyPr>
-          <a:lstStyle/>
-          <a:p>
-            <a:r>
-              <a:rPr lang="es-BO" dirty="0"/>
-              <a:t>5</a:t>
-            </a:r>
-            <a:r>
-              <a:rPr lang="es-BO" dirty="0" smtClean="0"/>
-              <a:t>.</a:t>
-            </a:r>
-            <a:endParaRPr lang="en-US" dirty="0"/>
-          </a:p>
-        </p:txBody>
-      </p:sp>
     </p:spTree>
     <p:extLst>
       <p:ext uri="{BB962C8B-B14F-4D97-AF65-F5344CB8AC3E}">
-        <p14:creationId xmlns:p14="http://schemas.microsoft.com/office/powerpoint/2010/main" val="3146274510"/>
+        <p14:creationId xmlns:p14="http://schemas.microsoft.com/office/powerpoint/2010/main" val="1760860054"/>
       </p:ext>
     </p:extLst>
   </p:cSld>
